--- a/scheduling/slides.pptx
+++ b/scheduling/slides.pptx
@@ -1674,7 +1674,7 @@
             <a:endParaRPr/>
           </a:p>
           <a:p>
-            <a:pPr indent="-298450" lvl="0" marL="457200">
+            <a:pPr indent="-298450" lvl="0" marL="457200" rtl="0">
               <a:spcBef>
                 <a:spcPts val="0"/>
               </a:spcBef>
@@ -1687,6 +1687,38 @@
             <a:r>
               <a:rPr lang="en-GB"/>
               <a:t>The more advanced algorithms need their own data structure</a:t>
+            </a:r>
+            <a:endParaRPr/>
+          </a:p>
+          <a:p>
+            <a:pPr indent="-298450" lvl="0" marL="457200" rtl="0">
+              <a:spcBef>
+                <a:spcPts val="0"/>
+              </a:spcBef>
+              <a:spcAft>
+                <a:spcPts val="0"/>
+              </a:spcAft>
+              <a:buSzPts val="1100"/>
+              <a:buChar char="●"/>
+            </a:pPr>
+            <a:r>
+              <a:rPr lang="en-GB"/>
+              <a:t>MLFQ is unverified.  The implementation is limited to FIFO queues and Round Robin algorithm.  The quantum for each queue is doubled.  There is no starvation prevention of promoting processes.</a:t>
+            </a:r>
+            <a:endParaRPr/>
+          </a:p>
+          <a:p>
+            <a:pPr indent="0" lvl="0" marL="457200" rtl="0">
+              <a:spcBef>
+                <a:spcPts val="0"/>
+              </a:spcBef>
+              <a:spcAft>
+                <a:spcPts val="0"/>
+              </a:spcAft>
+              <a:buNone/>
+            </a:pPr>
+            <a:r>
+              <a:t/>
             </a:r>
             <a:endParaRPr/>
           </a:p>
@@ -9648,6 +9680,285 @@
 </file>
 
 <file path=ppt/theme/theme1.xml><?xml version="1.0" encoding="utf-8"?>
+<a:theme xmlns:a="http://schemas.openxmlformats.org/drawingml/2006/main" xmlns:r="http://schemas.openxmlformats.org/officeDocument/2006/relationships" name="Material">
+  <a:themeElements>
+    <a:clrScheme name="Material">
+      <a:dk1>
+        <a:srgbClr val="4285F4"/>
+      </a:dk1>
+      <a:lt1>
+        <a:srgbClr val="FFFFFF"/>
+      </a:lt1>
+      <a:dk2>
+        <a:srgbClr val="424242"/>
+      </a:dk2>
+      <a:lt2>
+        <a:srgbClr val="737373"/>
+      </a:lt2>
+      <a:accent1>
+        <a:srgbClr val="0277BD"/>
+      </a:accent1>
+      <a:accent2>
+        <a:srgbClr val="0F9D58"/>
+      </a:accent2>
+      <a:accent3>
+        <a:srgbClr val="DB4437"/>
+      </a:accent3>
+      <a:accent4>
+        <a:srgbClr val="FAFAFA"/>
+      </a:accent4>
+      <a:accent5>
+        <a:srgbClr val="4FC3F7"/>
+      </a:accent5>
+      <a:accent6>
+        <a:srgbClr val="F4B400"/>
+      </a:accent6>
+      <a:hlink>
+        <a:srgbClr val="4FC3F7"/>
+      </a:hlink>
+      <a:folHlink>
+        <a:srgbClr val="4FC3F7"/>
+      </a:folHlink>
+    </a:clrScheme>
+    <a:fontScheme name="Office">
+      <a:majorFont>
+        <a:latin typeface="Arial"/>
+        <a:ea typeface=""/>
+        <a:cs typeface=""/>
+        <a:font script="Jpan" typeface="ＭＳ Ｐゴシック"/>
+        <a:font script="Hang" typeface="맑은 고딕"/>
+        <a:font script="Hans" typeface="宋体"/>
+        <a:font script="Hant" typeface="新細明體"/>
+        <a:font script="Arab" typeface="Times New Roman"/>
+        <a:font script="Hebr" typeface="Times New Roman"/>
+        <a:font script="Thai" typeface="Angsana New"/>
+        <a:font script="Ethi" typeface="Nyala"/>
+        <a:font script="Beng" typeface="Vrinda"/>
+        <a:font script="Gujr" typeface="Shruti"/>
+        <a:font script="Khmr" typeface="MoolBoran"/>
+        <a:font script="Knda" typeface="Tunga"/>
+        <a:font script="Guru" typeface="Raavi"/>
+        <a:font script="Cans" typeface="Euphemia"/>
+        <a:font script="Cher" typeface="Plantagenet Cherokee"/>
+        <a:font script="Yiii" typeface="Microsoft Yi Baiti"/>
+        <a:font script="Tibt" typeface="Microsoft Himalaya"/>
+        <a:font script="Thaa" typeface="MV Boli"/>
+        <a:font script="Deva" typeface="Mangal"/>
+        <a:font script="Telu" typeface="Gautami"/>
+        <a:font script="Taml" typeface="Latha"/>
+        <a:font script="Syrc" typeface="Estrangelo Edessa"/>
+        <a:font script="Orya" typeface="Kalinga"/>
+        <a:font script="Mlym" typeface="Kartika"/>
+        <a:font script="Laoo" typeface="DokChampa"/>
+        <a:font script="Sinh" typeface="Iskoola Pota"/>
+        <a:font script="Mong" typeface="Mongolian Baiti"/>
+        <a:font script="Viet" typeface="Times New Roman"/>
+        <a:font script="Uigh" typeface="Microsoft Uighur"/>
+        <a:font script="Geor" typeface="Sylfaen"/>
+      </a:majorFont>
+      <a:minorFont>
+        <a:latin typeface="Arial"/>
+        <a:ea typeface=""/>
+        <a:cs typeface=""/>
+        <a:font script="Jpan" typeface="ＭＳ Ｐゴシック"/>
+        <a:font script="Hang" typeface="맑은 고딕"/>
+        <a:font script="Hans" typeface="宋体"/>
+        <a:font script="Hant" typeface="新細明體"/>
+        <a:font script="Arab" typeface="Arial"/>
+        <a:font script="Hebr" typeface="Arial"/>
+        <a:font script="Thai" typeface="Cordia New"/>
+        <a:font script="Ethi" typeface="Nyala"/>
+        <a:font script="Beng" typeface="Vrinda"/>
+        <a:font script="Gujr" typeface="Shruti"/>
+        <a:font script="Khmr" typeface="DaunPenh"/>
+        <a:font script="Knda" typeface="Tunga"/>
+        <a:font script="Guru" typeface="Raavi"/>
+        <a:font script="Cans" typeface="Euphemia"/>
+        <a:font script="Cher" typeface="Plantagenet Cherokee"/>
+        <a:font script="Yiii" typeface="Microsoft Yi Baiti"/>
+        <a:font script="Tibt" typeface="Microsoft Himalaya"/>
+        <a:font script="Thaa" typeface="MV Boli"/>
+        <a:font script="Deva" typeface="Mangal"/>
+        <a:font script="Telu" typeface="Gautami"/>
+        <a:font script="Taml" typeface="Latha"/>
+        <a:font script="Syrc" typeface="Estrangelo Edessa"/>
+        <a:font script="Orya" typeface="Kalinga"/>
+        <a:font script="Mlym" typeface="Kartika"/>
+        <a:font script="Laoo" typeface="DokChampa"/>
+        <a:font script="Sinh" typeface="Iskoola Pota"/>
+        <a:font script="Mong" typeface="Mongolian Baiti"/>
+        <a:font script="Viet" typeface="Arial"/>
+        <a:font script="Uigh" typeface="Microsoft Uighur"/>
+        <a:font script="Geor" typeface="Sylfaen"/>
+      </a:minorFont>
+    </a:fontScheme>
+    <a:fmtScheme name="Office">
+      <a:fillStyleLst>
+        <a:solidFill>
+          <a:schemeClr val="phClr"/>
+        </a:solidFill>
+        <a:gradFill rotWithShape="1">
+          <a:gsLst>
+            <a:gs pos="0">
+              <a:schemeClr val="phClr">
+                <a:tint val="50000"/>
+                <a:satMod val="300000"/>
+              </a:schemeClr>
+            </a:gs>
+            <a:gs pos="35000">
+              <a:schemeClr val="phClr">
+                <a:tint val="37000"/>
+                <a:satMod val="300000"/>
+              </a:schemeClr>
+            </a:gs>
+            <a:gs pos="100000">
+              <a:schemeClr val="phClr">
+                <a:tint val="15000"/>
+                <a:satMod val="350000"/>
+              </a:schemeClr>
+            </a:gs>
+          </a:gsLst>
+          <a:lin ang="16200000" scaled="1"/>
+        </a:gradFill>
+        <a:gradFill rotWithShape="1">
+          <a:gsLst>
+            <a:gs pos="0">
+              <a:schemeClr val="phClr">
+                <a:tint val="100000"/>
+                <a:shade val="100000"/>
+                <a:satMod val="130000"/>
+              </a:schemeClr>
+            </a:gs>
+            <a:gs pos="100000">
+              <a:schemeClr val="phClr">
+                <a:tint val="50000"/>
+                <a:shade val="100000"/>
+                <a:satMod val="350000"/>
+              </a:schemeClr>
+            </a:gs>
+          </a:gsLst>
+          <a:lin ang="16200000" scaled="0"/>
+        </a:gradFill>
+      </a:fillStyleLst>
+      <a:lnStyleLst>
+        <a:ln w="9525" cap="flat" cmpd="sng" algn="ctr">
+          <a:solidFill>
+            <a:schemeClr val="phClr">
+              <a:shade val="95000"/>
+              <a:satMod val="105000"/>
+            </a:schemeClr>
+          </a:solidFill>
+          <a:prstDash val="solid"/>
+        </a:ln>
+        <a:ln w="25400" cap="flat" cmpd="sng" algn="ctr">
+          <a:solidFill>
+            <a:schemeClr val="phClr"/>
+          </a:solidFill>
+          <a:prstDash val="solid"/>
+        </a:ln>
+        <a:ln w="38100" cap="flat" cmpd="sng" algn="ctr">
+          <a:solidFill>
+            <a:schemeClr val="phClr"/>
+          </a:solidFill>
+          <a:prstDash val="solid"/>
+        </a:ln>
+      </a:lnStyleLst>
+      <a:effectStyleLst>
+        <a:effectStyle>
+          <a:effectLst>
+            <a:outerShdw blurRad="40000" dist="20000" dir="5400000" rotWithShape="0">
+              <a:srgbClr val="000000">
+                <a:alpha val="38000"/>
+              </a:srgbClr>
+            </a:outerShdw>
+          </a:effectLst>
+        </a:effectStyle>
+        <a:effectStyle>
+          <a:effectLst>
+            <a:outerShdw blurRad="40000" dist="23000" dir="5400000" rotWithShape="0">
+              <a:srgbClr val="000000">
+                <a:alpha val="35000"/>
+              </a:srgbClr>
+            </a:outerShdw>
+          </a:effectLst>
+        </a:effectStyle>
+        <a:effectStyle>
+          <a:effectLst>
+            <a:outerShdw blurRad="40000" dist="23000" dir="5400000" rotWithShape="0">
+              <a:srgbClr val="000000">
+                <a:alpha val="35000"/>
+              </a:srgbClr>
+            </a:outerShdw>
+          </a:effectLst>
+          <a:scene3d>
+            <a:camera prst="orthographicFront">
+              <a:rot lat="0" lon="0" rev="0"/>
+            </a:camera>
+            <a:lightRig rig="threePt" dir="t">
+              <a:rot lat="0" lon="0" rev="1200000"/>
+            </a:lightRig>
+          </a:scene3d>
+          <a:sp3d>
+            <a:bevelT w="63500" h="25400"/>
+          </a:sp3d>
+        </a:effectStyle>
+      </a:effectStyleLst>
+      <a:bgFillStyleLst>
+        <a:solidFill>
+          <a:schemeClr val="phClr"/>
+        </a:solidFill>
+        <a:gradFill rotWithShape="1">
+          <a:gsLst>
+            <a:gs pos="0">
+              <a:schemeClr val="phClr">
+                <a:tint val="40000"/>
+                <a:satMod val="350000"/>
+              </a:schemeClr>
+            </a:gs>
+            <a:gs pos="40000">
+              <a:schemeClr val="phClr">
+                <a:tint val="45000"/>
+                <a:shade val="99000"/>
+                <a:satMod val="350000"/>
+              </a:schemeClr>
+            </a:gs>
+            <a:gs pos="100000">
+              <a:schemeClr val="phClr">
+                <a:shade val="20000"/>
+                <a:satMod val="255000"/>
+              </a:schemeClr>
+            </a:gs>
+          </a:gsLst>
+          <a:path path="circle">
+            <a:fillToRect l="50000" t="-80000" r="50000" b="180000"/>
+          </a:path>
+        </a:gradFill>
+        <a:gradFill rotWithShape="1">
+          <a:gsLst>
+            <a:gs pos="0">
+              <a:schemeClr val="phClr">
+                <a:tint val="80000"/>
+                <a:satMod val="300000"/>
+              </a:schemeClr>
+            </a:gs>
+            <a:gs pos="100000">
+              <a:schemeClr val="phClr">
+                <a:shade val="30000"/>
+                <a:satMod val="200000"/>
+              </a:schemeClr>
+            </a:gs>
+          </a:gsLst>
+          <a:path path="circle">
+            <a:fillToRect l="50000" t="50000" r="50000" b="50000"/>
+          </a:path>
+        </a:gradFill>
+      </a:bgFillStyleLst>
+    </a:fmtScheme>
+  </a:themeElements>
+</a:theme>
+</file>
+
+<file path=ppt/theme/theme2.xml><?xml version="1.0" encoding="utf-8"?>
 <a:theme xmlns:a="http://schemas.openxmlformats.org/drawingml/2006/main" xmlns:r="http://schemas.openxmlformats.org/officeDocument/2006/relationships">
   <a:themeElements>
     <a:clrScheme name="Default">
@@ -9924,283 +10235,4 @@
     </a:fmtScheme>
   </a:themeElements>
 </a:theme>
-</file>
-
-<file path=ppt/theme/theme2.xml><?xml version="1.0" encoding="utf-8"?>
-<a:theme xmlns:a="http://schemas.openxmlformats.org/drawingml/2006/main" xmlns:r="http://schemas.openxmlformats.org/officeDocument/2006/relationships" name="Material">
-  <a:themeElements>
-    <a:clrScheme name="Material">
-      <a:dk1>
-        <a:srgbClr val="4285F4"/>
-      </a:dk1>
-      <a:lt1>
-        <a:srgbClr val="FFFFFF"/>
-      </a:lt1>
-      <a:dk2>
-        <a:srgbClr val="424242"/>
-      </a:dk2>
-      <a:lt2>
-        <a:srgbClr val="737373"/>
-      </a:lt2>
-      <a:accent1>
-        <a:srgbClr val="0277BD"/>
-      </a:accent1>
-      <a:accent2>
-        <a:srgbClr val="0F9D58"/>
-      </a:accent2>
-      <a:accent3>
-        <a:srgbClr val="DB4437"/>
-      </a:accent3>
-      <a:accent4>
-        <a:srgbClr val="FAFAFA"/>
-      </a:accent4>
-      <a:accent5>
-        <a:srgbClr val="4FC3F7"/>
-      </a:accent5>
-      <a:accent6>
-        <a:srgbClr val="F4B400"/>
-      </a:accent6>
-      <a:hlink>
-        <a:srgbClr val="4FC3F7"/>
-      </a:hlink>
-      <a:folHlink>
-        <a:srgbClr val="4FC3F7"/>
-      </a:folHlink>
-    </a:clrScheme>
-    <a:fontScheme name="Office">
-      <a:majorFont>
-        <a:latin typeface="Arial"/>
-        <a:ea typeface=""/>
-        <a:cs typeface=""/>
-        <a:font script="Jpan" typeface="ＭＳ Ｐゴシック"/>
-        <a:font script="Hang" typeface="맑은 고딕"/>
-        <a:font script="Hans" typeface="宋体"/>
-        <a:font script="Hant" typeface="新細明體"/>
-        <a:font script="Arab" typeface="Times New Roman"/>
-        <a:font script="Hebr" typeface="Times New Roman"/>
-        <a:font script="Thai" typeface="Angsana New"/>
-        <a:font script="Ethi" typeface="Nyala"/>
-        <a:font script="Beng" typeface="Vrinda"/>
-        <a:font script="Gujr" typeface="Shruti"/>
-        <a:font script="Khmr" typeface="MoolBoran"/>
-        <a:font script="Knda" typeface="Tunga"/>
-        <a:font script="Guru" typeface="Raavi"/>
-        <a:font script="Cans" typeface="Euphemia"/>
-        <a:font script="Cher" typeface="Plantagenet Cherokee"/>
-        <a:font script="Yiii" typeface="Microsoft Yi Baiti"/>
-        <a:font script="Tibt" typeface="Microsoft Himalaya"/>
-        <a:font script="Thaa" typeface="MV Boli"/>
-        <a:font script="Deva" typeface="Mangal"/>
-        <a:font script="Telu" typeface="Gautami"/>
-        <a:font script="Taml" typeface="Latha"/>
-        <a:font script="Syrc" typeface="Estrangelo Edessa"/>
-        <a:font script="Orya" typeface="Kalinga"/>
-        <a:font script="Mlym" typeface="Kartika"/>
-        <a:font script="Laoo" typeface="DokChampa"/>
-        <a:font script="Sinh" typeface="Iskoola Pota"/>
-        <a:font script="Mong" typeface="Mongolian Baiti"/>
-        <a:font script="Viet" typeface="Times New Roman"/>
-        <a:font script="Uigh" typeface="Microsoft Uighur"/>
-        <a:font script="Geor" typeface="Sylfaen"/>
-      </a:majorFont>
-      <a:minorFont>
-        <a:latin typeface="Arial"/>
-        <a:ea typeface=""/>
-        <a:cs typeface=""/>
-        <a:font script="Jpan" typeface="ＭＳ Ｐゴシック"/>
-        <a:font script="Hang" typeface="맑은 고딕"/>
-        <a:font script="Hans" typeface="宋体"/>
-        <a:font script="Hant" typeface="新細明體"/>
-        <a:font script="Arab" typeface="Arial"/>
-        <a:font script="Hebr" typeface="Arial"/>
-        <a:font script="Thai" typeface="Cordia New"/>
-        <a:font script="Ethi" typeface="Nyala"/>
-        <a:font script="Beng" typeface="Vrinda"/>
-        <a:font script="Gujr" typeface="Shruti"/>
-        <a:font script="Khmr" typeface="DaunPenh"/>
-        <a:font script="Knda" typeface="Tunga"/>
-        <a:font script="Guru" typeface="Raavi"/>
-        <a:font script="Cans" typeface="Euphemia"/>
-        <a:font script="Cher" typeface="Plantagenet Cherokee"/>
-        <a:font script="Yiii" typeface="Microsoft Yi Baiti"/>
-        <a:font script="Tibt" typeface="Microsoft Himalaya"/>
-        <a:font script="Thaa" typeface="MV Boli"/>
-        <a:font script="Deva" typeface="Mangal"/>
-        <a:font script="Telu" typeface="Gautami"/>
-        <a:font script="Taml" typeface="Latha"/>
-        <a:font script="Syrc" typeface="Estrangelo Edessa"/>
-        <a:font script="Orya" typeface="Kalinga"/>
-        <a:font script="Mlym" typeface="Kartika"/>
-        <a:font script="Laoo" typeface="DokChampa"/>
-        <a:font script="Sinh" typeface="Iskoola Pota"/>
-        <a:font script="Mong" typeface="Mongolian Baiti"/>
-        <a:font script="Viet" typeface="Arial"/>
-        <a:font script="Uigh" typeface="Microsoft Uighur"/>
-        <a:font script="Geor" typeface="Sylfaen"/>
-      </a:minorFont>
-    </a:fontScheme>
-    <a:fmtScheme name="Office">
-      <a:fillStyleLst>
-        <a:solidFill>
-          <a:schemeClr val="phClr"/>
-        </a:solidFill>
-        <a:gradFill rotWithShape="1">
-          <a:gsLst>
-            <a:gs pos="0">
-              <a:schemeClr val="phClr">
-                <a:tint val="50000"/>
-                <a:satMod val="300000"/>
-              </a:schemeClr>
-            </a:gs>
-            <a:gs pos="35000">
-              <a:schemeClr val="phClr">
-                <a:tint val="37000"/>
-                <a:satMod val="300000"/>
-              </a:schemeClr>
-            </a:gs>
-            <a:gs pos="100000">
-              <a:schemeClr val="phClr">
-                <a:tint val="15000"/>
-                <a:satMod val="350000"/>
-              </a:schemeClr>
-            </a:gs>
-          </a:gsLst>
-          <a:lin ang="16200000" scaled="1"/>
-        </a:gradFill>
-        <a:gradFill rotWithShape="1">
-          <a:gsLst>
-            <a:gs pos="0">
-              <a:schemeClr val="phClr">
-                <a:tint val="100000"/>
-                <a:shade val="100000"/>
-                <a:satMod val="130000"/>
-              </a:schemeClr>
-            </a:gs>
-            <a:gs pos="100000">
-              <a:schemeClr val="phClr">
-                <a:tint val="50000"/>
-                <a:shade val="100000"/>
-                <a:satMod val="350000"/>
-              </a:schemeClr>
-            </a:gs>
-          </a:gsLst>
-          <a:lin ang="16200000" scaled="0"/>
-        </a:gradFill>
-      </a:fillStyleLst>
-      <a:lnStyleLst>
-        <a:ln w="9525" cap="flat" cmpd="sng" algn="ctr">
-          <a:solidFill>
-            <a:schemeClr val="phClr">
-              <a:shade val="95000"/>
-              <a:satMod val="105000"/>
-            </a:schemeClr>
-          </a:solidFill>
-          <a:prstDash val="solid"/>
-        </a:ln>
-        <a:ln w="25400" cap="flat" cmpd="sng" algn="ctr">
-          <a:solidFill>
-            <a:schemeClr val="phClr"/>
-          </a:solidFill>
-          <a:prstDash val="solid"/>
-        </a:ln>
-        <a:ln w="38100" cap="flat" cmpd="sng" algn="ctr">
-          <a:solidFill>
-            <a:schemeClr val="phClr"/>
-          </a:solidFill>
-          <a:prstDash val="solid"/>
-        </a:ln>
-      </a:lnStyleLst>
-      <a:effectStyleLst>
-        <a:effectStyle>
-          <a:effectLst>
-            <a:outerShdw blurRad="40000" dist="20000" dir="5400000" rotWithShape="0">
-              <a:srgbClr val="000000">
-                <a:alpha val="38000"/>
-              </a:srgbClr>
-            </a:outerShdw>
-          </a:effectLst>
-        </a:effectStyle>
-        <a:effectStyle>
-          <a:effectLst>
-            <a:outerShdw blurRad="40000" dist="23000" dir="5400000" rotWithShape="0">
-              <a:srgbClr val="000000">
-                <a:alpha val="35000"/>
-              </a:srgbClr>
-            </a:outerShdw>
-          </a:effectLst>
-        </a:effectStyle>
-        <a:effectStyle>
-          <a:effectLst>
-            <a:outerShdw blurRad="40000" dist="23000" dir="5400000" rotWithShape="0">
-              <a:srgbClr val="000000">
-                <a:alpha val="35000"/>
-              </a:srgbClr>
-            </a:outerShdw>
-          </a:effectLst>
-          <a:scene3d>
-            <a:camera prst="orthographicFront">
-              <a:rot lat="0" lon="0" rev="0"/>
-            </a:camera>
-            <a:lightRig rig="threePt" dir="t">
-              <a:rot lat="0" lon="0" rev="1200000"/>
-            </a:lightRig>
-          </a:scene3d>
-          <a:sp3d>
-            <a:bevelT w="63500" h="25400"/>
-          </a:sp3d>
-        </a:effectStyle>
-      </a:effectStyleLst>
-      <a:bgFillStyleLst>
-        <a:solidFill>
-          <a:schemeClr val="phClr"/>
-        </a:solidFill>
-        <a:gradFill rotWithShape="1">
-          <a:gsLst>
-            <a:gs pos="0">
-              <a:schemeClr val="phClr">
-                <a:tint val="40000"/>
-                <a:satMod val="350000"/>
-              </a:schemeClr>
-            </a:gs>
-            <a:gs pos="40000">
-              <a:schemeClr val="phClr">
-                <a:tint val="45000"/>
-                <a:shade val="99000"/>
-                <a:satMod val="350000"/>
-              </a:schemeClr>
-            </a:gs>
-            <a:gs pos="100000">
-              <a:schemeClr val="phClr">
-                <a:shade val="20000"/>
-                <a:satMod val="255000"/>
-              </a:schemeClr>
-            </a:gs>
-          </a:gsLst>
-          <a:path path="circle">
-            <a:fillToRect l="50000" t="-80000" r="50000" b="180000"/>
-          </a:path>
-        </a:gradFill>
-        <a:gradFill rotWithShape="1">
-          <a:gsLst>
-            <a:gs pos="0">
-              <a:schemeClr val="phClr">
-                <a:tint val="80000"/>
-                <a:satMod val="300000"/>
-              </a:schemeClr>
-            </a:gs>
-            <a:gs pos="100000">
-              <a:schemeClr val="phClr">
-                <a:shade val="30000"/>
-                <a:satMod val="200000"/>
-              </a:schemeClr>
-            </a:gs>
-          </a:gsLst>
-          <a:path path="circle">
-            <a:fillToRect l="50000" t="50000" r="50000" b="50000"/>
-          </a:path>
-        </a:gradFill>
-      </a:bgFillStyleLst>
-    </a:fmtScheme>
-  </a:themeElements>
-</a:theme>
 </file>
--- a/scheduling/slides.pptx
+++ b/scheduling/slides.pptx
@@ -1703,6 +1703,23 @@
             </a:pPr>
             <a:r>
               <a:rPr lang="en-GB"/>
+              <a:t>They key thing with lottery is how to assign tickets</a:t>
+            </a:r>
+            <a:endParaRPr/>
+          </a:p>
+          <a:p>
+            <a:pPr indent="-298450" lvl="0" marL="457200" rtl="0">
+              <a:spcBef>
+                <a:spcPts val="0"/>
+              </a:spcBef>
+              <a:spcAft>
+                <a:spcPts val="0"/>
+              </a:spcAft>
+              <a:buSzPts val="1100"/>
+              <a:buChar char="●"/>
+            </a:pPr>
+            <a:r>
+              <a:rPr lang="en-GB"/>
               <a:t>MLFQ is unverified.  The implementation is limited to FIFO queues and Round Robin algorithm.  The quantum for each queue is doubled.  There is no starvation prevention of promoting processes.</a:t>
             </a:r>
             <a:endParaRPr/>
@@ -1940,17 +1957,87 @@
           </a:bodyPr>
           <a:lstStyle/>
           <a:p>
-            <a:pPr indent="0" lvl="0" marL="0">
-              <a:spcBef>
-                <a:spcPts val="0"/>
-              </a:spcBef>
-              <a:spcAft>
-                <a:spcPts val="0"/>
-              </a:spcAft>
-              <a:buNone/>
-            </a:pPr>
-            <a:r>
-              <a:t/>
+            <a:pPr indent="-298450" lvl="0" marL="457200" rtl="0">
+              <a:spcBef>
+                <a:spcPts val="0"/>
+              </a:spcBef>
+              <a:spcAft>
+                <a:spcPts val="0"/>
+              </a:spcAft>
+              <a:buSzPts val="1100"/>
+              <a:buChar char="●"/>
+            </a:pPr>
+            <a:r>
+              <a:rPr lang="en-GB"/>
+              <a:t>Demo each algorithm output</a:t>
+            </a:r>
+            <a:endParaRPr/>
+          </a:p>
+          <a:p>
+            <a:pPr indent="-298450" lvl="0" marL="457200" rtl="0">
+              <a:spcBef>
+                <a:spcPts val="0"/>
+              </a:spcBef>
+              <a:spcAft>
+                <a:spcPts val="0"/>
+              </a:spcAft>
+              <a:buSzPts val="1100"/>
+              <a:buChar char="●"/>
+            </a:pPr>
+            <a:r>
+              <a:rPr lang="en-GB"/>
+              <a:t>Show queue operations and tests</a:t>
+            </a:r>
+            <a:endParaRPr/>
+          </a:p>
+          <a:p>
+            <a:pPr indent="-298450" lvl="0" marL="457200" rtl="0">
+              <a:spcBef>
+                <a:spcPts val="0"/>
+              </a:spcBef>
+              <a:spcAft>
+                <a:spcPts val="0"/>
+              </a:spcAft>
+              <a:buSzPts val="1100"/>
+              <a:buChar char="●"/>
+            </a:pPr>
+            <a:r>
+              <a:rPr lang="en-GB"/>
+              <a:t>Show implementations (start at main, strategy)</a:t>
+            </a:r>
+            <a:endParaRPr/>
+          </a:p>
+          <a:p>
+            <a:pPr indent="-298450" lvl="0" marL="457200" rtl="0">
+              <a:spcBef>
+                <a:spcPts val="0"/>
+              </a:spcBef>
+              <a:spcAft>
+                <a:spcPts val="0"/>
+              </a:spcAft>
+              <a:buSzPts val="1100"/>
+              <a:buChar char="●"/>
+            </a:pPr>
+            <a:r>
+              <a:rPr lang="en-GB"/>
+              <a:t>Show scheduler (producer/consumer)</a:t>
+            </a:r>
+            <a:endParaRPr/>
+          </a:p>
+          <a:p>
+            <a:pPr indent="-298450" lvl="0" marL="457200" rtl="0">
+              <a:spcBef>
+                <a:spcPts val="0"/>
+              </a:spcBef>
+              <a:spcAft>
+                <a:spcPts val="0"/>
+              </a:spcAft>
+              <a:buSzPts val="1100"/>
+              <a:buChar char="●"/>
+            </a:pPr>
+            <a:r>
+              <a:rPr lang="en-GB"/>
+              <a:t>Show opaque pointers / encapsulation</a:t>
             </a:r>
             <a:endParaRPr/>
           </a:p>
@@ -8148,7 +8235,7 @@
             <a:endParaRPr/>
           </a:p>
           <a:p>
-            <a:pPr indent="-342900" lvl="0" marL="457200">
+            <a:pPr indent="-342900" lvl="0" marL="457200" rtl="0">
               <a:spcBef>
                 <a:spcPts val="0"/>
               </a:spcBef>
@@ -8161,6 +8248,21 @@
             <a:r>
               <a:rPr lang="en-GB"/>
               <a:t>The scheduler coordinates on clock ticks</a:t>
+            </a:r>
+            <a:endParaRPr/>
+          </a:p>
+          <a:p>
+            <a:pPr indent="0" lvl="0" marL="457200">
+              <a:spcBef>
+                <a:spcPts val="1600"/>
+              </a:spcBef>
+              <a:spcAft>
+                <a:spcPts val="1600"/>
+              </a:spcAft>
+              <a:buNone/>
+            </a:pPr>
+            <a:r>
+              <a:t/>
             </a:r>
             <a:endParaRPr/>
           </a:p>
@@ -8544,7 +8646,7 @@
             </a:pPr>
             <a:r>
               <a:rPr lang="en-GB"/>
-              <a:t>Process</a:t>
+              <a:t>Process Model</a:t>
             </a:r>
             <a:endParaRPr/>
           </a:p>
@@ -8738,7 +8840,7 @@
             </a:pPr>
             <a:r>
               <a:rPr lang="en-GB"/>
-              <a:t>Scheduler</a:t>
+              <a:t>Scheduler Model</a:t>
             </a:r>
             <a:endParaRPr/>
           </a:p>
@@ -8911,7 +9013,7 @@
             </a:pPr>
             <a:r>
               <a:rPr lang="en-GB"/>
-              <a:t>Algorithm</a:t>
+              <a:t>Algorithm Strategy</a:t>
             </a:r>
             <a:endParaRPr/>
           </a:p>
@@ -9146,6 +9248,23 @@
             <a:endParaRPr/>
           </a:p>
           <a:p>
+            <a:pPr indent="-317500" lvl="1" marL="914400" rtl="0">
+              <a:spcBef>
+                <a:spcPts val="0"/>
+              </a:spcBef>
+              <a:spcAft>
+                <a:spcPts val="0"/>
+              </a:spcAft>
+              <a:buSzPts val="1400"/>
+              <a:buChar char="○"/>
+            </a:pPr>
+            <a:r>
+              <a:rPr lang="en-GB"/>
+              <a:t>Come as you are</a:t>
+            </a:r>
+            <a:endParaRPr/>
+          </a:p>
+          <a:p>
             <a:pPr indent="-342900" lvl="0" marL="457200" rtl="0">
               <a:spcBef>
                 <a:spcPts val="0"/>
@@ -9163,7 +9282,24 @@
             <a:endParaRPr/>
           </a:p>
           <a:p>
-            <a:pPr indent="-342900" lvl="0" marL="457200">
+            <a:pPr indent="-317500" lvl="1" marL="914400" rtl="0">
+              <a:spcBef>
+                <a:spcPts val="0"/>
+              </a:spcBef>
+              <a:spcAft>
+                <a:spcPts val="0"/>
+              </a:spcAft>
+              <a:buSzPts val="1400"/>
+              <a:buChar char="○"/>
+            </a:pPr>
+            <a:r>
+              <a:rPr lang="en-GB"/>
+              <a:t>Keep current process, shortest next</a:t>
+            </a:r>
+            <a:endParaRPr/>
+          </a:p>
+          <a:p>
+            <a:pPr indent="-342900" lvl="0" marL="457200" rtl="0">
               <a:spcBef>
                 <a:spcPts val="0"/>
               </a:spcBef>
@@ -9176,6 +9312,23 @@
             <a:r>
               <a:rPr lang="en-GB"/>
               <a:t>STR (pre-emptive)</a:t>
+            </a:r>
+            <a:endParaRPr/>
+          </a:p>
+          <a:p>
+            <a:pPr indent="-317500" lvl="1" marL="914400">
+              <a:spcBef>
+                <a:spcPts val="0"/>
+              </a:spcBef>
+              <a:spcAft>
+                <a:spcPts val="0"/>
+              </a:spcAft>
+              <a:buSzPts val="1400"/>
+              <a:buChar char="○"/>
+            </a:pPr>
+            <a:r>
+              <a:rPr lang="en-GB"/>
+              <a:t>Prempt shortest process</a:t>
             </a:r>
             <a:endParaRPr/>
           </a:p>
@@ -9237,6 +9390,23 @@
             <a:endParaRPr/>
           </a:p>
           <a:p>
+            <a:pPr indent="-317500" lvl="1" marL="914400" rtl="0">
+              <a:spcBef>
+                <a:spcPts val="0"/>
+              </a:spcBef>
+              <a:spcAft>
+                <a:spcPts val="0"/>
+              </a:spcAft>
+              <a:buSzPts val="1400"/>
+              <a:buChar char="○"/>
+            </a:pPr>
+            <a:r>
+              <a:rPr lang="en-GB"/>
+              <a:t>Quantum premption</a:t>
+            </a:r>
+            <a:endParaRPr/>
+          </a:p>
+          <a:p>
             <a:pPr indent="-342900" lvl="0" marL="457200" rtl="0">
               <a:spcBef>
                 <a:spcPts val="0"/>
@@ -9254,6 +9424,23 @@
             <a:endParaRPr/>
           </a:p>
           <a:p>
+            <a:pPr indent="-317500" lvl="1" marL="914400" rtl="0">
+              <a:spcBef>
+                <a:spcPts val="0"/>
+              </a:spcBef>
+              <a:spcAft>
+                <a:spcPts val="0"/>
+              </a:spcAft>
+              <a:buSzPts val="1400"/>
+              <a:buChar char="○"/>
+            </a:pPr>
+            <a:r>
+              <a:rPr lang="en-GB"/>
+              <a:t>Proportionally random</a:t>
+            </a:r>
+            <a:endParaRPr/>
+          </a:p>
+          <a:p>
             <a:pPr indent="-342900" lvl="0" marL="457200" rtl="0">
               <a:spcBef>
                 <a:spcPts val="0"/>
@@ -9267,6 +9454,23 @@
             <a:r>
               <a:rPr lang="en-GB"/>
               <a:t>MLFQ (multiple queues)</a:t>
+            </a:r>
+            <a:endParaRPr/>
+          </a:p>
+          <a:p>
+            <a:pPr indent="-317500" lvl="1" marL="914400" rtl="0">
+              <a:spcBef>
+                <a:spcPts val="0"/>
+              </a:spcBef>
+              <a:spcAft>
+                <a:spcPts val="0"/>
+              </a:spcAft>
+              <a:buSzPts val="1400"/>
+              <a:buChar char="○"/>
+            </a:pPr>
+            <a:r>
+              <a:rPr lang="en-GB"/>
+              <a:t>Priority queues</a:t>
             </a:r>
             <a:endParaRPr/>
           </a:p>
@@ -9404,6 +9608,10 @@
             </a:pPr>
             <a:r>
               <a:rPr b="1" lang="en-GB" sz="2400"/>
+              <a:t>Algorithm </a:t>
+            </a:r>
+            <a:r>
+              <a:rPr b="1" lang="en-GB" sz="2400"/>
               <a:t>Implementations</a:t>
             </a:r>
             <a:endParaRPr b="1" sz="2400"/>
@@ -9616,7 +9824,7 @@
             </a:pPr>
             <a:r>
               <a:rPr lang="en-GB"/>
-              <a:t>Fork, change, test, whatever.</a:t>
+              <a:t>Find bugs, fork, change, whatever.</a:t>
             </a:r>
             <a:endParaRPr/>
           </a:p>
@@ -9680,6 +9888,285 @@
 </file>
 
 <file path=ppt/theme/theme1.xml><?xml version="1.0" encoding="utf-8"?>
+<a:theme xmlns:a="http://schemas.openxmlformats.org/drawingml/2006/main" xmlns:r="http://schemas.openxmlformats.org/officeDocument/2006/relationships">
+  <a:themeElements>
+    <a:clrScheme name="Default">
+      <a:dk1>
+        <a:srgbClr val="000000"/>
+      </a:dk1>
+      <a:lt1>
+        <a:srgbClr val="FFFFFF"/>
+      </a:lt1>
+      <a:dk2>
+        <a:srgbClr val="158158"/>
+      </a:dk2>
+      <a:lt2>
+        <a:srgbClr val="F3F3F3"/>
+      </a:lt2>
+      <a:accent1>
+        <a:srgbClr val="058DC7"/>
+      </a:accent1>
+      <a:accent2>
+        <a:srgbClr val="50B432"/>
+      </a:accent2>
+      <a:accent3>
+        <a:srgbClr val="ED561B"/>
+      </a:accent3>
+      <a:accent4>
+        <a:srgbClr val="EDEF00"/>
+      </a:accent4>
+      <a:accent5>
+        <a:srgbClr val="24CBE5"/>
+      </a:accent5>
+      <a:accent6>
+        <a:srgbClr val="64E572"/>
+      </a:accent6>
+      <a:hlink>
+        <a:srgbClr val="2200CC"/>
+      </a:hlink>
+      <a:folHlink>
+        <a:srgbClr val="551A8B"/>
+      </a:folHlink>
+    </a:clrScheme>
+    <a:fontScheme name="Office">
+      <a:majorFont>
+        <a:latin typeface="Arial"/>
+        <a:ea typeface=""/>
+        <a:cs typeface=""/>
+        <a:font script="Jpan" typeface="ＭＳ Ｐゴシック"/>
+        <a:font script="Hang" typeface="맑은 고딕"/>
+        <a:font script="Hans" typeface="宋体"/>
+        <a:font script="Hant" typeface="新細明體"/>
+        <a:font script="Arab" typeface="Times New Roman"/>
+        <a:font script="Hebr" typeface="Times New Roman"/>
+        <a:font script="Thai" typeface="Angsana New"/>
+        <a:font script="Ethi" typeface="Nyala"/>
+        <a:font script="Beng" typeface="Vrinda"/>
+        <a:font script="Gujr" typeface="Shruti"/>
+        <a:font script="Khmr" typeface="MoolBoran"/>
+        <a:font script="Knda" typeface="Tunga"/>
+        <a:font script="Guru" typeface="Raavi"/>
+        <a:font script="Cans" typeface="Euphemia"/>
+        <a:font script="Cher" typeface="Plantagenet Cherokee"/>
+        <a:font script="Yiii" typeface="Microsoft Yi Baiti"/>
+        <a:font script="Tibt" typeface="Microsoft Himalaya"/>
+        <a:font script="Thaa" typeface="MV Boli"/>
+        <a:font script="Deva" typeface="Mangal"/>
+        <a:font script="Telu" typeface="Gautami"/>
+        <a:font script="Taml" typeface="Latha"/>
+        <a:font script="Syrc" typeface="Estrangelo Edessa"/>
+        <a:font script="Orya" typeface="Kalinga"/>
+        <a:font script="Mlym" typeface="Kartika"/>
+        <a:font script="Laoo" typeface="DokChampa"/>
+        <a:font script="Sinh" typeface="Iskoola Pota"/>
+        <a:font script="Mong" typeface="Mongolian Baiti"/>
+        <a:font script="Viet" typeface="Times New Roman"/>
+        <a:font script="Uigh" typeface="Microsoft Uighur"/>
+        <a:font script="Geor" typeface="Sylfaen"/>
+      </a:majorFont>
+      <a:minorFont>
+        <a:latin typeface="Arial"/>
+        <a:ea typeface=""/>
+        <a:cs typeface=""/>
+        <a:font script="Jpan" typeface="ＭＳ Ｐゴシック"/>
+        <a:font script="Hang" typeface="맑은 고딕"/>
+        <a:font script="Hans" typeface="宋体"/>
+        <a:font script="Hant" typeface="新細明體"/>
+        <a:font script="Arab" typeface="Arial"/>
+        <a:font script="Hebr" typeface="Arial"/>
+        <a:font script="Thai" typeface="Cordia New"/>
+        <a:font script="Ethi" typeface="Nyala"/>
+        <a:font script="Beng" typeface="Vrinda"/>
+        <a:font script="Gujr" typeface="Shruti"/>
+        <a:font script="Khmr" typeface="DaunPenh"/>
+        <a:font script="Knda" typeface="Tunga"/>
+        <a:font script="Guru" typeface="Raavi"/>
+        <a:font script="Cans" typeface="Euphemia"/>
+        <a:font script="Cher" typeface="Plantagenet Cherokee"/>
+        <a:font script="Yiii" typeface="Microsoft Yi Baiti"/>
+        <a:font script="Tibt" typeface="Microsoft Himalaya"/>
+        <a:font script="Thaa" typeface="MV Boli"/>
+        <a:font script="Deva" typeface="Mangal"/>
+        <a:font script="Telu" typeface="Gautami"/>
+        <a:font script="Taml" typeface="Latha"/>
+        <a:font script="Syrc" typeface="Estrangelo Edessa"/>
+        <a:font script="Orya" typeface="Kalinga"/>
+        <a:font script="Mlym" typeface="Kartika"/>
+        <a:font script="Laoo" typeface="DokChampa"/>
+        <a:font script="Sinh" typeface="Iskoola Pota"/>
+        <a:font script="Mong" typeface="Mongolian Baiti"/>
+        <a:font script="Viet" typeface="Arial"/>
+        <a:font script="Uigh" typeface="Microsoft Uighur"/>
+        <a:font script="Geor" typeface="Sylfaen"/>
+      </a:minorFont>
+    </a:fontScheme>
+    <a:fmtScheme name="Office">
+      <a:fillStyleLst>
+        <a:solidFill>
+          <a:schemeClr val="phClr"/>
+        </a:solidFill>
+        <a:gradFill rotWithShape="1">
+          <a:gsLst>
+            <a:gs pos="0">
+              <a:schemeClr val="phClr">
+                <a:tint val="50000"/>
+                <a:satMod val="300000"/>
+              </a:schemeClr>
+            </a:gs>
+            <a:gs pos="35000">
+              <a:schemeClr val="phClr">
+                <a:tint val="37000"/>
+                <a:satMod val="300000"/>
+              </a:schemeClr>
+            </a:gs>
+            <a:gs pos="100000">
+              <a:schemeClr val="phClr">
+                <a:tint val="15000"/>
+                <a:satMod val="350000"/>
+              </a:schemeClr>
+            </a:gs>
+          </a:gsLst>
+          <a:lin ang="16200000" scaled="1"/>
+        </a:gradFill>
+        <a:gradFill rotWithShape="1">
+          <a:gsLst>
+            <a:gs pos="0">
+              <a:schemeClr val="phClr">
+                <a:tint val="100000"/>
+                <a:shade val="100000"/>
+                <a:satMod val="130000"/>
+              </a:schemeClr>
+            </a:gs>
+            <a:gs pos="100000">
+              <a:schemeClr val="phClr">
+                <a:tint val="50000"/>
+                <a:shade val="100000"/>
+                <a:satMod val="350000"/>
+              </a:schemeClr>
+            </a:gs>
+          </a:gsLst>
+          <a:lin ang="16200000" scaled="0"/>
+        </a:gradFill>
+      </a:fillStyleLst>
+      <a:lnStyleLst>
+        <a:ln w="9525" cap="flat" cmpd="sng" algn="ctr">
+          <a:solidFill>
+            <a:schemeClr val="phClr">
+              <a:shade val="95000"/>
+              <a:satMod val="105000"/>
+            </a:schemeClr>
+          </a:solidFill>
+          <a:prstDash val="solid"/>
+        </a:ln>
+        <a:ln w="25400" cap="flat" cmpd="sng" algn="ctr">
+          <a:solidFill>
+            <a:schemeClr val="phClr"/>
+          </a:solidFill>
+          <a:prstDash val="solid"/>
+        </a:ln>
+        <a:ln w="38100" cap="flat" cmpd="sng" algn="ctr">
+          <a:solidFill>
+            <a:schemeClr val="phClr"/>
+          </a:solidFill>
+          <a:prstDash val="solid"/>
+        </a:ln>
+      </a:lnStyleLst>
+      <a:effectStyleLst>
+        <a:effectStyle>
+          <a:effectLst>
+            <a:outerShdw blurRad="40000" dist="20000" dir="5400000" rotWithShape="0">
+              <a:srgbClr val="000000">
+                <a:alpha val="38000"/>
+              </a:srgbClr>
+            </a:outerShdw>
+          </a:effectLst>
+        </a:effectStyle>
+        <a:effectStyle>
+          <a:effectLst>
+            <a:outerShdw blurRad="40000" dist="23000" dir="5400000" rotWithShape="0">
+              <a:srgbClr val="000000">
+                <a:alpha val="35000"/>
+              </a:srgbClr>
+            </a:outerShdw>
+          </a:effectLst>
+        </a:effectStyle>
+        <a:effectStyle>
+          <a:effectLst>
+            <a:outerShdw blurRad="40000" dist="23000" dir="5400000" rotWithShape="0">
+              <a:srgbClr val="000000">
+                <a:alpha val="35000"/>
+              </a:srgbClr>
+            </a:outerShdw>
+          </a:effectLst>
+          <a:scene3d>
+            <a:camera prst="orthographicFront">
+              <a:rot lat="0" lon="0" rev="0"/>
+            </a:camera>
+            <a:lightRig rig="threePt" dir="t">
+              <a:rot lat="0" lon="0" rev="1200000"/>
+            </a:lightRig>
+          </a:scene3d>
+          <a:sp3d>
+            <a:bevelT w="63500" h="25400"/>
+          </a:sp3d>
+        </a:effectStyle>
+      </a:effectStyleLst>
+      <a:bgFillStyleLst>
+        <a:solidFill>
+          <a:schemeClr val="phClr"/>
+        </a:solidFill>
+        <a:gradFill rotWithShape="1">
+          <a:gsLst>
+            <a:gs pos="0">
+              <a:schemeClr val="phClr">
+                <a:tint val="40000"/>
+                <a:satMod val="350000"/>
+              </a:schemeClr>
+            </a:gs>
+            <a:gs pos="40000">
+              <a:schemeClr val="phClr">
+                <a:tint val="45000"/>
+                <a:shade val="99000"/>
+                <a:satMod val="350000"/>
+              </a:schemeClr>
+            </a:gs>
+            <a:gs pos="100000">
+              <a:schemeClr val="phClr">
+                <a:shade val="20000"/>
+                <a:satMod val="255000"/>
+              </a:schemeClr>
+            </a:gs>
+          </a:gsLst>
+          <a:path path="circle">
+            <a:fillToRect l="50000" t="-80000" r="50000" b="180000"/>
+          </a:path>
+        </a:gradFill>
+        <a:gradFill rotWithShape="1">
+          <a:gsLst>
+            <a:gs pos="0">
+              <a:schemeClr val="phClr">
+                <a:tint val="80000"/>
+                <a:satMod val="300000"/>
+              </a:schemeClr>
+            </a:gs>
+            <a:gs pos="100000">
+              <a:schemeClr val="phClr">
+                <a:shade val="30000"/>
+                <a:satMod val="200000"/>
+              </a:schemeClr>
+            </a:gs>
+          </a:gsLst>
+          <a:path path="circle">
+            <a:fillToRect l="50000" t="50000" r="50000" b="50000"/>
+          </a:path>
+        </a:gradFill>
+      </a:bgFillStyleLst>
+    </a:fmtScheme>
+  </a:themeElements>
+</a:theme>
+</file>
+
+<file path=ppt/theme/theme2.xml><?xml version="1.0" encoding="utf-8"?>
 <a:theme xmlns:a="http://schemas.openxmlformats.org/drawingml/2006/main" xmlns:r="http://schemas.openxmlformats.org/officeDocument/2006/relationships" name="Material">
   <a:themeElements>
     <a:clrScheme name="Material">
@@ -9956,283 +10443,4 @@
     </a:fmtScheme>
   </a:themeElements>
 </a:theme>
-</file>
-
-<file path=ppt/theme/theme2.xml><?xml version="1.0" encoding="utf-8"?>
-<a:theme xmlns:a="http://schemas.openxmlformats.org/drawingml/2006/main" xmlns:r="http://schemas.openxmlformats.org/officeDocument/2006/relationships">
-  <a:themeElements>
-    <a:clrScheme name="Default">
-      <a:dk1>
-        <a:srgbClr val="000000"/>
-      </a:dk1>
-      <a:lt1>
-        <a:srgbClr val="FFFFFF"/>
-      </a:lt1>
-      <a:dk2>
-        <a:srgbClr val="158158"/>
-      </a:dk2>
-      <a:lt2>
-        <a:srgbClr val="F3F3F3"/>
-      </a:lt2>
-      <a:accent1>
-        <a:srgbClr val="058DC7"/>
-      </a:accent1>
-      <a:accent2>
-        <a:srgbClr val="50B432"/>
-      </a:accent2>
-      <a:accent3>
-        <a:srgbClr val="ED561B"/>
-      </a:accent3>
-      <a:accent4>
-        <a:srgbClr val="EDEF00"/>
-      </a:accent4>
-      <a:accent5>
-        <a:srgbClr val="24CBE5"/>
-      </a:accent5>
-      <a:accent6>
-        <a:srgbClr val="64E572"/>
-      </a:accent6>
-      <a:hlink>
-        <a:srgbClr val="2200CC"/>
-      </a:hlink>
-      <a:folHlink>
-        <a:srgbClr val="551A8B"/>
-      </a:folHlink>
-    </a:clrScheme>
-    <a:fontScheme name="Office">
-      <a:majorFont>
-        <a:latin typeface="Arial"/>
-        <a:ea typeface=""/>
-        <a:cs typeface=""/>
-        <a:font script="Jpan" typeface="ＭＳ Ｐゴシック"/>
-        <a:font script="Hang" typeface="맑은 고딕"/>
-        <a:font script="Hans" typeface="宋体"/>
-        <a:font script="Hant" typeface="新細明體"/>
-        <a:font script="Arab" typeface="Times New Roman"/>
-        <a:font script="Hebr" typeface="Times New Roman"/>
-        <a:font script="Thai" typeface="Angsana New"/>
-        <a:font script="Ethi" typeface="Nyala"/>
-        <a:font script="Beng" typeface="Vrinda"/>
-        <a:font script="Gujr" typeface="Shruti"/>
-        <a:font script="Khmr" typeface="MoolBoran"/>
-        <a:font script="Knda" typeface="Tunga"/>
-        <a:font script="Guru" typeface="Raavi"/>
-        <a:font script="Cans" typeface="Euphemia"/>
-        <a:font script="Cher" typeface="Plantagenet Cherokee"/>
-        <a:font script="Yiii" typeface="Microsoft Yi Baiti"/>
-        <a:font script="Tibt" typeface="Microsoft Himalaya"/>
-        <a:font script="Thaa" typeface="MV Boli"/>
-        <a:font script="Deva" typeface="Mangal"/>
-        <a:font script="Telu" typeface="Gautami"/>
-        <a:font script="Taml" typeface="Latha"/>
-        <a:font script="Syrc" typeface="Estrangelo Edessa"/>
-        <a:font script="Orya" typeface="Kalinga"/>
-        <a:font script="Mlym" typeface="Kartika"/>
-        <a:font script="Laoo" typeface="DokChampa"/>
-        <a:font script="Sinh" typeface="Iskoola Pota"/>
-        <a:font script="Mong" typeface="Mongolian Baiti"/>
-        <a:font script="Viet" typeface="Times New Roman"/>
-        <a:font script="Uigh" typeface="Microsoft Uighur"/>
-        <a:font script="Geor" typeface="Sylfaen"/>
-      </a:majorFont>
-      <a:minorFont>
-        <a:latin typeface="Arial"/>
-        <a:ea typeface=""/>
-        <a:cs typeface=""/>
-        <a:font script="Jpan" typeface="ＭＳ Ｐゴシック"/>
-        <a:font script="Hang" typeface="맑은 고딕"/>
-        <a:font script="Hans" typeface="宋体"/>
-        <a:font script="Hant" typeface="新細明體"/>
-        <a:font script="Arab" typeface="Arial"/>
-        <a:font script="Hebr" typeface="Arial"/>
-        <a:font script="Thai" typeface="Cordia New"/>
-        <a:font script="Ethi" typeface="Nyala"/>
-        <a:font script="Beng" typeface="Vrinda"/>
-        <a:font script="Gujr" typeface="Shruti"/>
-        <a:font script="Khmr" typeface="DaunPenh"/>
-        <a:font script="Knda" typeface="Tunga"/>
-        <a:font script="Guru" typeface="Raavi"/>
-        <a:font script="Cans" typeface="Euphemia"/>
-        <a:font script="Cher" typeface="Plantagenet Cherokee"/>
-        <a:font script="Yiii" typeface="Microsoft Yi Baiti"/>
-        <a:font script="Tibt" typeface="Microsoft Himalaya"/>
-        <a:font script="Thaa" typeface="MV Boli"/>
-        <a:font script="Deva" typeface="Mangal"/>
-        <a:font script="Telu" typeface="Gautami"/>
-        <a:font script="Taml" typeface="Latha"/>
-        <a:font script="Syrc" typeface="Estrangelo Edessa"/>
-        <a:font script="Orya" typeface="Kalinga"/>
-        <a:font script="Mlym" typeface="Kartika"/>
-        <a:font script="Laoo" typeface="DokChampa"/>
-        <a:font script="Sinh" typeface="Iskoola Pota"/>
-        <a:font script="Mong" typeface="Mongolian Baiti"/>
-        <a:font script="Viet" typeface="Arial"/>
-        <a:font script="Uigh" typeface="Microsoft Uighur"/>
-        <a:font script="Geor" typeface="Sylfaen"/>
-      </a:minorFont>
-    </a:fontScheme>
-    <a:fmtScheme name="Office">
-      <a:fillStyleLst>
-        <a:solidFill>
-          <a:schemeClr val="phClr"/>
-        </a:solidFill>
-        <a:gradFill rotWithShape="1">
-          <a:gsLst>
-            <a:gs pos="0">
-              <a:schemeClr val="phClr">
-                <a:tint val="50000"/>
-                <a:satMod val="300000"/>
-              </a:schemeClr>
-            </a:gs>
-            <a:gs pos="35000">
-              <a:schemeClr val="phClr">
-                <a:tint val="37000"/>
-                <a:satMod val="300000"/>
-              </a:schemeClr>
-            </a:gs>
-            <a:gs pos="100000">
-              <a:schemeClr val="phClr">
-                <a:tint val="15000"/>
-                <a:satMod val="350000"/>
-              </a:schemeClr>
-            </a:gs>
-          </a:gsLst>
-          <a:lin ang="16200000" scaled="1"/>
-        </a:gradFill>
-        <a:gradFill rotWithShape="1">
-          <a:gsLst>
-            <a:gs pos="0">
-              <a:schemeClr val="phClr">
-                <a:tint val="100000"/>
-                <a:shade val="100000"/>
-                <a:satMod val="130000"/>
-              </a:schemeClr>
-            </a:gs>
-            <a:gs pos="100000">
-              <a:schemeClr val="phClr">
-                <a:tint val="50000"/>
-                <a:shade val="100000"/>
-                <a:satMod val="350000"/>
-              </a:schemeClr>
-            </a:gs>
-          </a:gsLst>
-          <a:lin ang="16200000" scaled="0"/>
-        </a:gradFill>
-      </a:fillStyleLst>
-      <a:lnStyleLst>
-        <a:ln w="9525" cap="flat" cmpd="sng" algn="ctr">
-          <a:solidFill>
-            <a:schemeClr val="phClr">
-              <a:shade val="95000"/>
-              <a:satMod val="105000"/>
-            </a:schemeClr>
-          </a:solidFill>
-          <a:prstDash val="solid"/>
-        </a:ln>
-        <a:ln w="25400" cap="flat" cmpd="sng" algn="ctr">
-          <a:solidFill>
-            <a:schemeClr val="phClr"/>
-          </a:solidFill>
-          <a:prstDash val="solid"/>
-        </a:ln>
-        <a:ln w="38100" cap="flat" cmpd="sng" algn="ctr">
-          <a:solidFill>
-            <a:schemeClr val="phClr"/>
-          </a:solidFill>
-          <a:prstDash val="solid"/>
-        </a:ln>
-      </a:lnStyleLst>
-      <a:effectStyleLst>
-        <a:effectStyle>
-          <a:effectLst>
-            <a:outerShdw blurRad="40000" dist="20000" dir="5400000" rotWithShape="0">
-              <a:srgbClr val="000000">
-                <a:alpha val="38000"/>
-              </a:srgbClr>
-            </a:outerShdw>
-          </a:effectLst>
-        </a:effectStyle>
-        <a:effectStyle>
-          <a:effectLst>
-            <a:outerShdw blurRad="40000" dist="23000" dir="5400000" rotWithShape="0">
-              <a:srgbClr val="000000">
-                <a:alpha val="35000"/>
-              </a:srgbClr>
-            </a:outerShdw>
-          </a:effectLst>
-        </a:effectStyle>
-        <a:effectStyle>
-          <a:effectLst>
-            <a:outerShdw blurRad="40000" dist="23000" dir="5400000" rotWithShape="0">
-              <a:srgbClr val="000000">
-                <a:alpha val="35000"/>
-              </a:srgbClr>
-            </a:outerShdw>
-          </a:effectLst>
-          <a:scene3d>
-            <a:camera prst="orthographicFront">
-              <a:rot lat="0" lon="0" rev="0"/>
-            </a:camera>
-            <a:lightRig rig="threePt" dir="t">
-              <a:rot lat="0" lon="0" rev="1200000"/>
-            </a:lightRig>
-          </a:scene3d>
-          <a:sp3d>
-            <a:bevelT w="63500" h="25400"/>
-          </a:sp3d>
-        </a:effectStyle>
-      </a:effectStyleLst>
-      <a:bgFillStyleLst>
-        <a:solidFill>
-          <a:schemeClr val="phClr"/>
-        </a:solidFill>
-        <a:gradFill rotWithShape="1">
-          <a:gsLst>
-            <a:gs pos="0">
-              <a:schemeClr val="phClr">
-                <a:tint val="40000"/>
-                <a:satMod val="350000"/>
-              </a:schemeClr>
-            </a:gs>
-            <a:gs pos="40000">
-              <a:schemeClr val="phClr">
-                <a:tint val="45000"/>
-                <a:shade val="99000"/>
-                <a:satMod val="350000"/>
-              </a:schemeClr>
-            </a:gs>
-            <a:gs pos="100000">
-              <a:schemeClr val="phClr">
-                <a:shade val="20000"/>
-                <a:satMod val="255000"/>
-              </a:schemeClr>
-            </a:gs>
-          </a:gsLst>
-          <a:path path="circle">
-            <a:fillToRect l="50000" t="-80000" r="50000" b="180000"/>
-          </a:path>
-        </a:gradFill>
-        <a:gradFill rotWithShape="1">
-          <a:gsLst>
-            <a:gs pos="0">
-              <a:schemeClr val="phClr">
-                <a:tint val="80000"/>
-                <a:satMod val="300000"/>
-              </a:schemeClr>
-            </a:gs>
-            <a:gs pos="100000">
-              <a:schemeClr val="phClr">
-                <a:shade val="30000"/>
-                <a:satMod val="200000"/>
-              </a:schemeClr>
-            </a:gs>
-          </a:gsLst>
-          <a:path path="circle">
-            <a:fillToRect l="50000" t="50000" r="50000" b="50000"/>
-          </a:path>
-        </a:gradFill>
-      </a:bgFillStyleLst>
-    </a:fmtScheme>
-  </a:themeElements>
-</a:theme>
 </file>
--- a/scheduling/slides.pptx
+++ b/scheduling/slides.pptx
@@ -17,16 +17,17 @@
     <p:sldId id="262" r:id="rId12"/>
     <p:sldId id="263" r:id="rId13"/>
     <p:sldId id="264" r:id="rId14"/>
+    <p:sldId id="265" r:id="rId15"/>
   </p:sldIdLst>
   <p:sldSz cy="5143500" cx="9144000"/>
   <p:notesSz cx="6858000" cy="9144000"/>
   <p:embeddedFontLst>
     <p:embeddedFont>
       <p:font typeface="Roboto"/>
-      <p:regular r:id="rId15"/>
-      <p:bold r:id="rId16"/>
-      <p:italic r:id="rId17"/>
-      <p:boldItalic r:id="rId18"/>
+      <p:regular r:id="rId16"/>
+      <p:bold r:id="rId17"/>
+      <p:italic r:id="rId18"/>
+      <p:boldItalic r:id="rId19"/>
     </p:embeddedFont>
   </p:embeddedFontLst>
   <p:defaultTextStyle>
@@ -851,6 +852,174 @@
 </p:notes>
 </file>
 
+<file path=ppt/notesSlides/notesSlide10.xml><?xml version="1.0" encoding="utf-8"?>
+<p:notes xmlns:a="http://schemas.openxmlformats.org/drawingml/2006/main" xmlns:r="http://schemas.openxmlformats.org/officeDocument/2006/relationships" xmlns:mc="http://schemas.openxmlformats.org/markup-compatibility/2006" xmlns:mv="urn:schemas-microsoft-com:mac:vml" xmlns:p="http://schemas.openxmlformats.org/presentationml/2006/main" xmlns:c="http://schemas.openxmlformats.org/drawingml/2006/chart" xmlns:dgm="http://schemas.openxmlformats.org/drawingml/2006/diagram" xmlns:o="urn:schemas-microsoft-com:office:office" xmlns:v="urn:schemas-microsoft-com:vml" xmlns:pvml="urn:schemas-microsoft-com:office:powerpoint" xmlns:com="http://schemas.openxmlformats.org/drawingml/2006/compatibility" xmlns:p14="http://schemas.microsoft.com/office/powerpoint/2010/main" xmlns:p15="http://schemas.microsoft.com/office/powerpoint/2012/main" showMasterPhAnim="0" showMasterSp="0">
+  <p:cSld>
+    <p:spTree>
+      <p:nvGrpSpPr>
+        <p:cNvPr id="138" name="Shape 138"/>
+        <p:cNvGrpSpPr/>
+        <p:nvPr/>
+      </p:nvGrpSpPr>
+      <p:grpSpPr>
+        <a:xfrm>
+          <a:off x="0" y="0"/>
+          <a:ext cx="0" cy="0"/>
+          <a:chOff x="0" y="0"/>
+          <a:chExt cx="0" cy="0"/>
+        </a:xfrm>
+      </p:grpSpPr>
+      <p:sp>
+        <p:nvSpPr>
+          <p:cNvPr id="139" name="Google Shape;139;g3dd22f3116_0_809:notes"/>
+          <p:cNvSpPr/>
+          <p:nvPr>
+            <p:ph idx="2" type="sldImg"/>
+          </p:nvPr>
+        </p:nvSpPr>
+        <p:spPr>
+          <a:xfrm>
+            <a:off x="381300" y="685800"/>
+            <a:ext cx="6096000" cy="3429000"/>
+          </a:xfrm>
+          <a:custGeom>
+            <a:pathLst>
+              <a:path extrusionOk="0" h="120000" w="120000">
+                <a:moveTo>
+                  <a:pt x="0" y="0"/>
+                </a:moveTo>
+                <a:lnTo>
+                  <a:pt x="120000" y="0"/>
+                </a:lnTo>
+                <a:lnTo>
+                  <a:pt x="120000" y="120000"/>
+                </a:lnTo>
+                <a:lnTo>
+                  <a:pt x="0" y="120000"/>
+                </a:lnTo>
+                <a:close/>
+              </a:path>
+            </a:pathLst>
+          </a:custGeom>
+        </p:spPr>
+      </p:sp>
+      <p:sp>
+        <p:nvSpPr>
+          <p:cNvPr id="140" name="Google Shape;140;g3dd22f3116_0_809:notes"/>
+          <p:cNvSpPr txBox="1"/>
+          <p:nvPr>
+            <p:ph idx="1" type="body"/>
+          </p:nvPr>
+        </p:nvSpPr>
+        <p:spPr>
+          <a:xfrm>
+            <a:off x="685800" y="4343400"/>
+            <a:ext cx="5486400" cy="4114800"/>
+          </a:xfrm>
+          <a:prstGeom prst="rect">
+            <a:avLst/>
+          </a:prstGeom>
+        </p:spPr>
+        <p:txBody>
+          <a:bodyPr anchorCtr="0" anchor="t" bIns="91425" lIns="91425" spcFirstLastPara="1" rIns="91425" wrap="square" tIns="91425">
+            <a:noAutofit/>
+          </a:bodyPr>
+          <a:lstStyle/>
+          <a:p>
+            <a:pPr indent="-298450" lvl="0" marL="457200" rtl="0">
+              <a:spcBef>
+                <a:spcPts val="0"/>
+              </a:spcBef>
+              <a:spcAft>
+                <a:spcPts val="0"/>
+              </a:spcAft>
+              <a:buSzPts val="1100"/>
+              <a:buChar char="●"/>
+            </a:pPr>
+            <a:r>
+              <a:rPr lang="en-GB"/>
+              <a:t>Demo each algorithm output</a:t>
+            </a:r>
+            <a:endParaRPr/>
+          </a:p>
+          <a:p>
+            <a:pPr indent="-298450" lvl="0" marL="457200" rtl="0">
+              <a:spcBef>
+                <a:spcPts val="0"/>
+              </a:spcBef>
+              <a:spcAft>
+                <a:spcPts val="0"/>
+              </a:spcAft>
+              <a:buSzPts val="1100"/>
+              <a:buChar char="●"/>
+            </a:pPr>
+            <a:r>
+              <a:rPr lang="en-GB"/>
+              <a:t>Show queue operations and tests</a:t>
+            </a:r>
+            <a:endParaRPr/>
+          </a:p>
+          <a:p>
+            <a:pPr indent="-298450" lvl="0" marL="457200" rtl="0">
+              <a:spcBef>
+                <a:spcPts val="0"/>
+              </a:spcBef>
+              <a:spcAft>
+                <a:spcPts val="0"/>
+              </a:spcAft>
+              <a:buSzPts val="1100"/>
+              <a:buChar char="●"/>
+            </a:pPr>
+            <a:r>
+              <a:rPr lang="en-GB"/>
+              <a:t>Show implementations (start at main, strategy)</a:t>
+            </a:r>
+            <a:endParaRPr/>
+          </a:p>
+          <a:p>
+            <a:pPr indent="-298450" lvl="0" marL="457200" rtl="0">
+              <a:spcBef>
+                <a:spcPts val="0"/>
+              </a:spcBef>
+              <a:spcAft>
+                <a:spcPts val="0"/>
+              </a:spcAft>
+              <a:buSzPts val="1100"/>
+              <a:buChar char="●"/>
+            </a:pPr>
+            <a:r>
+              <a:rPr lang="en-GB"/>
+              <a:t>Show scheduler (producer/consumer)</a:t>
+            </a:r>
+            <a:endParaRPr/>
+          </a:p>
+          <a:p>
+            <a:pPr indent="-298450" lvl="0" marL="457200" rtl="0">
+              <a:spcBef>
+                <a:spcPts val="0"/>
+              </a:spcBef>
+              <a:spcAft>
+                <a:spcPts val="0"/>
+              </a:spcAft>
+              <a:buSzPts val="1100"/>
+              <a:buChar char="●"/>
+            </a:pPr>
+            <a:r>
+              <a:rPr lang="en-GB"/>
+              <a:t>Show opaque pointers / encapsulation</a:t>
+            </a:r>
+            <a:endParaRPr/>
+          </a:p>
+        </p:txBody>
+      </p:sp>
+    </p:spTree>
+  </p:cSld>
+  <p:clrMapOvr>
+    <a:masterClrMapping/>
+  </p:clrMapOvr>
+</p:notes>
+</file>
+
 <file path=ppt/notesSlides/notesSlide2.xml><?xml version="1.0" encoding="utf-8"?>
 <p:notes xmlns:a="http://schemas.openxmlformats.org/drawingml/2006/main" xmlns:r="http://schemas.openxmlformats.org/officeDocument/2006/relationships" xmlns:mc="http://schemas.openxmlformats.org/markup-compatibility/2006" xmlns:mv="urn:schemas-microsoft-com:mac:vml" xmlns:p="http://schemas.openxmlformats.org/presentationml/2006/main" xmlns:c="http://schemas.openxmlformats.org/drawingml/2006/chart" xmlns:dgm="http://schemas.openxmlformats.org/drawingml/2006/diagram" xmlns:o="urn:schemas-microsoft-com:office:office" xmlns:v="urn:schemas-microsoft-com:vml" xmlns:pvml="urn:schemas-microsoft-com:office:powerpoint" xmlns:com="http://schemas.openxmlformats.org/drawingml/2006/compatibility" xmlns:p14="http://schemas.microsoft.com/office/powerpoint/2010/main" xmlns:p15="http://schemas.microsoft.com/office/powerpoint/2012/main" showMasterPhAnim="0" showMasterSp="0">
   <p:cSld>
@@ -1768,7 +1937,7 @@
       </p:grpSpPr>
       <p:sp>
         <p:nvSpPr>
-          <p:cNvPr id="110" name="Google Shape;110;g3dd22f3116_0_804:notes"/>
+          <p:cNvPr id="110" name="Google Shape;110;g3dd2a30ff2_0_0:notes"/>
           <p:cNvSpPr/>
           <p:nvPr>
             <p:ph idx="2" type="sldImg"/>
@@ -1802,7 +1971,7 @@
       </p:sp>
       <p:sp>
         <p:nvSpPr>
-          <p:cNvPr id="111" name="Google Shape;111;g3dd22f3116_0_804:notes"/>
+          <p:cNvPr id="111" name="Google Shape;111;g3dd2a30ff2_0_0:notes"/>
           <p:cNvSpPr txBox="1"/>
           <p:nvPr>
             <p:ph idx="1" type="body"/>
@@ -1823,53 +1992,17 @@
           </a:bodyPr>
           <a:lstStyle/>
           <a:p>
-            <a:pPr indent="-298450" lvl="0" marL="457200" rtl="0">
-              <a:spcBef>
-                <a:spcPts val="0"/>
-              </a:spcBef>
-              <a:spcAft>
-                <a:spcPts val="0"/>
-              </a:spcAft>
-              <a:buSzPts val="1100"/>
-              <a:buChar char="●"/>
-            </a:pPr>
-            <a:r>
-              <a:rPr lang="en-GB"/>
-              <a:t>Tested against the review questions for verification</a:t>
-            </a:r>
-            <a:endParaRPr/>
-          </a:p>
-          <a:p>
-            <a:pPr indent="-298450" lvl="0" marL="457200" rtl="0">
-              <a:spcBef>
-                <a:spcPts val="0"/>
-              </a:spcBef>
-              <a:spcAft>
-                <a:spcPts val="0"/>
-              </a:spcAft>
-              <a:buSzPts val="1100"/>
-              <a:buChar char="●"/>
-            </a:pPr>
-            <a:r>
-              <a:rPr lang="en-GB"/>
-              <a:t>The input is scripted</a:t>
-            </a:r>
-            <a:endParaRPr/>
-          </a:p>
-          <a:p>
-            <a:pPr indent="-298450" lvl="0" marL="457200">
-              <a:spcBef>
-                <a:spcPts val="0"/>
-              </a:spcBef>
-              <a:spcAft>
-                <a:spcPts val="0"/>
-              </a:spcAft>
-              <a:buSzPts val="1100"/>
-              <a:buChar char="●"/>
-            </a:pPr>
-            <a:r>
-              <a:rPr lang="en-GB"/>
-              <a:t>In theory the output is designed so it can easily be parsed by a script and verified</a:t>
+            <a:pPr indent="0" lvl="0" marL="0">
+              <a:spcBef>
+                <a:spcPts val="0"/>
+              </a:spcBef>
+              <a:spcAft>
+                <a:spcPts val="0"/>
+              </a:spcAft>
+              <a:buNone/>
+            </a:pPr>
+            <a:r>
+              <a:t/>
             </a:r>
             <a:endParaRPr/>
           </a:p>
@@ -1888,7 +2021,7 @@
   <p:cSld>
     <p:spTree>
       <p:nvGrpSpPr>
-        <p:cNvPr id="115" name="Shape 115"/>
+        <p:cNvPr id="132" name="Shape 132"/>
         <p:cNvGrpSpPr/>
         <p:nvPr/>
       </p:nvGrpSpPr>
@@ -1902,7 +2035,7 @@
       </p:grpSpPr>
       <p:sp>
         <p:nvSpPr>
-          <p:cNvPr id="116" name="Google Shape;116;g3dd22f3116_0_809:notes"/>
+          <p:cNvPr id="133" name="Google Shape;133;g3dd22f3116_0_804:notes"/>
           <p:cNvSpPr/>
           <p:nvPr>
             <p:ph idx="2" type="sldImg"/>
@@ -1936,7 +2069,7 @@
       </p:sp>
       <p:sp>
         <p:nvSpPr>
-          <p:cNvPr id="117" name="Google Shape;117;g3dd22f3116_0_809:notes"/>
+          <p:cNvPr id="134" name="Google Shape;134;g3dd22f3116_0_804:notes"/>
           <p:cNvSpPr txBox="1"/>
           <p:nvPr>
             <p:ph idx="1" type="body"/>
@@ -1969,7 +2102,7 @@
             </a:pPr>
             <a:r>
               <a:rPr lang="en-GB"/>
-              <a:t>Demo each algorithm output</a:t>
+              <a:t>Tested against the review questions for verification</a:t>
             </a:r>
             <a:endParaRPr/>
           </a:p>
@@ -1986,12 +2119,12 @@
             </a:pPr>
             <a:r>
               <a:rPr lang="en-GB"/>
-              <a:t>Show queue operations and tests</a:t>
+              <a:t>The input is scripted</a:t>
             </a:r>
             <a:endParaRPr/>
           </a:p>
           <a:p>
-            <a:pPr indent="-298450" lvl="0" marL="457200" rtl="0">
+            <a:pPr indent="-298450" lvl="0" marL="457200">
               <a:spcBef>
                 <a:spcPts val="0"/>
               </a:spcBef>
@@ -2003,41 +2136,7 @@
             </a:pPr>
             <a:r>
               <a:rPr lang="en-GB"/>
-              <a:t>Show implementations (start at main, strategy)</a:t>
-            </a:r>
-            <a:endParaRPr/>
-          </a:p>
-          <a:p>
-            <a:pPr indent="-298450" lvl="0" marL="457200" rtl="0">
-              <a:spcBef>
-                <a:spcPts val="0"/>
-              </a:spcBef>
-              <a:spcAft>
-                <a:spcPts val="0"/>
-              </a:spcAft>
-              <a:buSzPts val="1100"/>
-              <a:buChar char="●"/>
-            </a:pPr>
-            <a:r>
-              <a:rPr lang="en-GB"/>
-              <a:t>Show scheduler (producer/consumer)</a:t>
-            </a:r>
-            <a:endParaRPr/>
-          </a:p>
-          <a:p>
-            <a:pPr indent="-298450" lvl="0" marL="457200" rtl="0">
-              <a:spcBef>
-                <a:spcPts val="0"/>
-              </a:spcBef>
-              <a:spcAft>
-                <a:spcPts val="0"/>
-              </a:spcAft>
-              <a:buSzPts val="1100"/>
-              <a:buChar char="●"/>
-            </a:pPr>
-            <a:r>
-              <a:rPr lang="en-GB"/>
-              <a:t>Show opaque pointers / encapsulation</a:t>
+              <a:t>In theory the output is designed so it can easily be parsed by a script and verified</a:t>
             </a:r>
             <a:endParaRPr/>
           </a:p>
@@ -8088,6 +8187,216 @@
 </p:sld>
 </file>
 
+<file path=ppt/slides/slide10.xml><?xml version="1.0" encoding="utf-8"?>
+<p:sld xmlns:a="http://schemas.openxmlformats.org/drawingml/2006/main" xmlns:r="http://schemas.openxmlformats.org/officeDocument/2006/relationships" xmlns:mc="http://schemas.openxmlformats.org/markup-compatibility/2006" xmlns:mv="urn:schemas-microsoft-com:mac:vml" xmlns:p="http://schemas.openxmlformats.org/presentationml/2006/main" xmlns:c="http://schemas.openxmlformats.org/drawingml/2006/chart" xmlns:dgm="http://schemas.openxmlformats.org/drawingml/2006/diagram" xmlns:o="urn:schemas-microsoft-com:office:office" xmlns:v="urn:schemas-microsoft-com:vml" xmlns:pvml="urn:schemas-microsoft-com:office:powerpoint" xmlns:com="http://schemas.openxmlformats.org/drawingml/2006/compatibility" xmlns:p14="http://schemas.microsoft.com/office/powerpoint/2010/main" xmlns:p15="http://schemas.microsoft.com/office/powerpoint/2012/main">
+  <p:cSld>
+    <p:spTree>
+      <p:nvGrpSpPr>
+        <p:cNvPr id="141" name="Shape 141"/>
+        <p:cNvGrpSpPr/>
+        <p:nvPr/>
+      </p:nvGrpSpPr>
+      <p:grpSpPr>
+        <a:xfrm>
+          <a:off x="0" y="0"/>
+          <a:ext cx="0" cy="0"/>
+          <a:chOff x="0" y="0"/>
+          <a:chExt cx="0" cy="0"/>
+        </a:xfrm>
+      </p:grpSpPr>
+      <p:sp>
+        <p:nvSpPr>
+          <p:cNvPr id="142" name="Google Shape;142;p22"/>
+          <p:cNvSpPr txBox="1"/>
+          <p:nvPr>
+            <p:ph type="title"/>
+          </p:nvPr>
+        </p:nvSpPr>
+        <p:spPr>
+          <a:xfrm>
+            <a:off x="471900" y="738725"/>
+            <a:ext cx="8222100" cy="767700"/>
+          </a:xfrm>
+          <a:prstGeom prst="rect">
+            <a:avLst/>
+          </a:prstGeom>
+        </p:spPr>
+        <p:txBody>
+          <a:bodyPr anchorCtr="0" anchor="b" bIns="91425" lIns="91425" spcFirstLastPara="1" rIns="91425" wrap="square" tIns="91425">
+            <a:noAutofit/>
+          </a:bodyPr>
+          <a:lstStyle/>
+          <a:p>
+            <a:pPr indent="0" lvl="0" marL="0">
+              <a:spcBef>
+                <a:spcPts val="0"/>
+              </a:spcBef>
+              <a:spcAft>
+                <a:spcPts val="0"/>
+              </a:spcAft>
+              <a:buNone/>
+            </a:pPr>
+            <a:r>
+              <a:rPr lang="en-GB"/>
+              <a:t>Demo Time</a:t>
+            </a:r>
+            <a:endParaRPr/>
+          </a:p>
+        </p:txBody>
+      </p:sp>
+      <p:sp>
+        <p:nvSpPr>
+          <p:cNvPr id="143" name="Google Shape;143;p22"/>
+          <p:cNvSpPr txBox="1"/>
+          <p:nvPr>
+            <p:ph idx="1" type="body"/>
+          </p:nvPr>
+        </p:nvSpPr>
+        <p:spPr>
+          <a:xfrm>
+            <a:off x="471900" y="1919075"/>
+            <a:ext cx="5274000" cy="2710200"/>
+          </a:xfrm>
+          <a:prstGeom prst="rect">
+            <a:avLst/>
+          </a:prstGeom>
+        </p:spPr>
+        <p:txBody>
+          <a:bodyPr anchorCtr="0" anchor="t" bIns="91425" lIns="91425" spcFirstLastPara="1" rIns="91425" wrap="square" tIns="91425">
+            <a:noAutofit/>
+          </a:bodyPr>
+          <a:lstStyle/>
+          <a:p>
+            <a:pPr indent="0" lvl="0" marL="0" rtl="0">
+              <a:spcBef>
+                <a:spcPts val="0"/>
+              </a:spcBef>
+              <a:spcAft>
+                <a:spcPts val="0"/>
+              </a:spcAft>
+              <a:buNone/>
+            </a:pPr>
+            <a:r>
+              <a:t/>
+            </a:r>
+            <a:endParaRPr/>
+          </a:p>
+          <a:p>
+            <a:pPr indent="0" lvl="0" marL="0" rtl="0">
+              <a:spcBef>
+                <a:spcPts val="1600"/>
+              </a:spcBef>
+              <a:spcAft>
+                <a:spcPts val="0"/>
+              </a:spcAft>
+              <a:buNone/>
+            </a:pPr>
+            <a:r>
+              <a:rPr lang="en-GB"/>
+              <a:t>Time to go down the gopher hole!</a:t>
+            </a:r>
+            <a:endParaRPr/>
+          </a:p>
+          <a:p>
+            <a:pPr indent="0" lvl="0" marL="0" rtl="0">
+              <a:spcBef>
+                <a:spcPts val="1600"/>
+              </a:spcBef>
+              <a:spcAft>
+                <a:spcPts val="0"/>
+              </a:spcAft>
+              <a:buNone/>
+            </a:pPr>
+            <a:r>
+              <a:rPr lang="en-GB"/>
+              <a:t>Available at </a:t>
+            </a:r>
+            <a:r>
+              <a:rPr b="1" lang="en-GB" u="sng">
+                <a:solidFill>
+                  <a:schemeClr val="hlink"/>
+                </a:solidFill>
+                <a:hlinkClick r:id="rId3"/>
+              </a:rPr>
+              <a:t>github.com/ryjen/os</a:t>
+            </a:r>
+            <a:endParaRPr b="1"/>
+          </a:p>
+          <a:p>
+            <a:pPr indent="0" lvl="0" marL="0" rtl="0">
+              <a:spcBef>
+                <a:spcPts val="1600"/>
+              </a:spcBef>
+              <a:spcAft>
+                <a:spcPts val="0"/>
+              </a:spcAft>
+              <a:buNone/>
+            </a:pPr>
+            <a:r>
+              <a:rPr lang="en-GB"/>
+              <a:t>Find bugs, fork, change, whatever.</a:t>
+            </a:r>
+            <a:endParaRPr/>
+          </a:p>
+          <a:p>
+            <a:pPr indent="0" lvl="0" marL="0">
+              <a:spcBef>
+                <a:spcPts val="1600"/>
+              </a:spcBef>
+              <a:spcAft>
+                <a:spcPts val="1600"/>
+              </a:spcAft>
+              <a:buNone/>
+            </a:pPr>
+            <a:r>
+              <a:t/>
+            </a:r>
+            <a:endParaRPr/>
+          </a:p>
+        </p:txBody>
+      </p:sp>
+      <p:pic>
+        <p:nvPicPr>
+          <p:cNvPr id="144" name="Google Shape;144;p22"/>
+          <p:cNvPicPr preferRelativeResize="0"/>
+          <p:nvPr/>
+        </p:nvPicPr>
+        <p:blipFill>
+          <a:blip r:embed="rId4">
+            <a:alphaModFix/>
+          </a:blip>
+          <a:stretch>
+            <a:fillRect/>
+          </a:stretch>
+        </p:blipFill>
+        <p:spPr>
+          <a:xfrm>
+            <a:off x="6000475" y="2041950"/>
+            <a:ext cx="1848125" cy="2551475"/>
+          </a:xfrm>
+          <a:prstGeom prst="rect">
+            <a:avLst/>
+          </a:prstGeom>
+          <a:noFill/>
+          <a:ln cap="flat" cmpd="sng" w="19050">
+            <a:solidFill>
+              <a:schemeClr val="lt2"/>
+            </a:solidFill>
+            <a:prstDash val="solid"/>
+            <a:round/>
+            <a:headEnd len="sm" w="sm" type="none"/>
+            <a:tailEnd len="sm" w="sm" type="none"/>
+          </a:ln>
+        </p:spPr>
+      </p:pic>
+    </p:spTree>
+  </p:cSld>
+  <p:clrMapOvr>
+    <a:masterClrMapping/>
+  </p:clrMapOvr>
+</p:sld>
+</file>
+
 <file path=ppt/slides/slide2.xml><?xml version="1.0" encoding="utf-8"?>
 <p:sld xmlns:a="http://schemas.openxmlformats.org/drawingml/2006/main" xmlns:r="http://schemas.openxmlformats.org/officeDocument/2006/relationships" xmlns:mc="http://schemas.openxmlformats.org/markup-compatibility/2006" xmlns:mv="urn:schemas-microsoft-com:mac:vml" xmlns:p="http://schemas.openxmlformats.org/presentationml/2006/main" xmlns:c="http://schemas.openxmlformats.org/drawingml/2006/chart" xmlns:dgm="http://schemas.openxmlformats.org/drawingml/2006/diagram" xmlns:o="urn:schemas-microsoft-com:office:office" xmlns:v="urn:schemas-microsoft-com:vml" xmlns:pvml="urn:schemas-microsoft-com:office:powerpoint" xmlns:com="http://schemas.openxmlformats.org/drawingml/2006/compatibility" xmlns:p14="http://schemas.microsoft.com/office/powerpoint/2010/main" xmlns:p15="http://schemas.microsoft.com/office/powerpoint/2012/main">
   <p:cSld>
@@ -9535,7 +9844,7 @@
             </a:pPr>
             <a:r>
               <a:rPr lang="en-GB"/>
-              <a:t>Testing</a:t>
+              <a:t>Scheduler / Producer / Consumer</a:t>
             </a:r>
             <a:endParaRPr/>
           </a:p>
@@ -9544,6 +9853,867 @@
       <p:sp>
         <p:nvSpPr>
           <p:cNvPr id="114" name="Google Shape;114;p20"/>
+          <p:cNvSpPr/>
+          <p:nvPr/>
+        </p:nvSpPr>
+        <p:spPr>
+          <a:xfrm>
+            <a:off x="981300" y="2934475"/>
+            <a:ext cx="1170000" cy="1170000"/>
+          </a:xfrm>
+          <a:prstGeom prst="roundRect">
+            <a:avLst>
+              <a:gd fmla="val 16667" name="adj"/>
+            </a:avLst>
+          </a:prstGeom>
+          <a:noFill/>
+          <a:ln cap="flat" cmpd="sng" w="19050">
+            <a:solidFill>
+              <a:schemeClr val="accent2"/>
+            </a:solidFill>
+            <a:prstDash val="solid"/>
+            <a:round/>
+            <a:headEnd len="sm" w="sm" type="none"/>
+            <a:tailEnd len="sm" w="sm" type="none"/>
+          </a:ln>
+        </p:spPr>
+        <p:txBody>
+          <a:bodyPr anchorCtr="0" anchor="ctr" bIns="91425" lIns="91425" spcFirstLastPara="1" rIns="91425" wrap="square" tIns="91425">
+            <a:noAutofit/>
+          </a:bodyPr>
+          <a:lstStyle/>
+          <a:p>
+            <a:pPr indent="0" lvl="0" marL="0" algn="ctr">
+              <a:spcBef>
+                <a:spcPts val="0"/>
+              </a:spcBef>
+              <a:spcAft>
+                <a:spcPts val="0"/>
+              </a:spcAft>
+              <a:buNone/>
+            </a:pPr>
+            <a:r>
+              <a:rPr lang="en-GB">
+                <a:solidFill>
+                  <a:schemeClr val="dk2"/>
+                </a:solidFill>
+              </a:rPr>
+              <a:t>Process added to scheduler</a:t>
+            </a:r>
+            <a:endParaRPr>
+              <a:solidFill>
+                <a:schemeClr val="dk2"/>
+              </a:solidFill>
+            </a:endParaRPr>
+          </a:p>
+        </p:txBody>
+      </p:sp>
+      <p:sp>
+        <p:nvSpPr>
+          <p:cNvPr id="115" name="Google Shape;115;p20"/>
+          <p:cNvSpPr/>
+          <p:nvPr/>
+        </p:nvSpPr>
+        <p:spPr>
+          <a:xfrm>
+            <a:off x="2879700" y="2934475"/>
+            <a:ext cx="1170000" cy="1170000"/>
+          </a:xfrm>
+          <a:prstGeom prst="roundRect">
+            <a:avLst>
+              <a:gd fmla="val 16667" name="adj"/>
+            </a:avLst>
+          </a:prstGeom>
+          <a:noFill/>
+          <a:ln cap="flat" cmpd="sng" w="19050">
+            <a:solidFill>
+              <a:schemeClr val="accent2"/>
+            </a:solidFill>
+            <a:prstDash val="solid"/>
+            <a:round/>
+            <a:headEnd len="sm" w="sm" type="none"/>
+            <a:tailEnd len="sm" w="sm" type="none"/>
+          </a:ln>
+        </p:spPr>
+        <p:txBody>
+          <a:bodyPr anchorCtr="0" anchor="ctr" bIns="91425" lIns="91425" spcFirstLastPara="1" rIns="91425" wrap="square" tIns="91425">
+            <a:noAutofit/>
+          </a:bodyPr>
+          <a:lstStyle/>
+          <a:p>
+            <a:pPr indent="0" lvl="0" marL="0" algn="ctr">
+              <a:spcBef>
+                <a:spcPts val="0"/>
+              </a:spcBef>
+              <a:spcAft>
+                <a:spcPts val="0"/>
+              </a:spcAft>
+              <a:buNone/>
+            </a:pPr>
+            <a:r>
+              <a:rPr lang="en-GB">
+                <a:solidFill>
+                  <a:schemeClr val="dk2"/>
+                </a:solidFill>
+              </a:rPr>
+              <a:t>Producer waits for process arrival time</a:t>
+            </a:r>
+            <a:endParaRPr>
+              <a:solidFill>
+                <a:schemeClr val="dk2"/>
+              </a:solidFill>
+            </a:endParaRPr>
+          </a:p>
+        </p:txBody>
+      </p:sp>
+      <p:sp>
+        <p:nvSpPr>
+          <p:cNvPr id="116" name="Google Shape;116;p20"/>
+          <p:cNvSpPr/>
+          <p:nvPr/>
+        </p:nvSpPr>
+        <p:spPr>
+          <a:xfrm>
+            <a:off x="4619400" y="2934450"/>
+            <a:ext cx="1170000" cy="1170000"/>
+          </a:xfrm>
+          <a:prstGeom prst="roundRect">
+            <a:avLst>
+              <a:gd fmla="val 16667" name="adj"/>
+            </a:avLst>
+          </a:prstGeom>
+          <a:noFill/>
+          <a:ln cap="flat" cmpd="sng" w="19050">
+            <a:solidFill>
+              <a:schemeClr val="accent2"/>
+            </a:solidFill>
+            <a:prstDash val="solid"/>
+            <a:round/>
+            <a:headEnd len="sm" w="sm" type="none"/>
+            <a:tailEnd len="sm" w="sm" type="none"/>
+          </a:ln>
+        </p:spPr>
+        <p:txBody>
+          <a:bodyPr anchorCtr="0" anchor="ctr" bIns="91425" lIns="91425" spcFirstLastPara="1" rIns="91425" wrap="square" tIns="91425">
+            <a:noAutofit/>
+          </a:bodyPr>
+          <a:lstStyle/>
+          <a:p>
+            <a:pPr indent="0" lvl="0" marL="0">
+              <a:spcBef>
+                <a:spcPts val="0"/>
+              </a:spcBef>
+              <a:spcAft>
+                <a:spcPts val="0"/>
+              </a:spcAft>
+              <a:buNone/>
+            </a:pPr>
+            <a:r>
+              <a:rPr lang="en-GB">
+                <a:solidFill>
+                  <a:schemeClr val="dk2"/>
+                </a:solidFill>
+              </a:rPr>
+              <a:t>Producer</a:t>
+            </a:r>
+            <a:endParaRPr>
+              <a:solidFill>
+                <a:schemeClr val="dk2"/>
+              </a:solidFill>
+            </a:endParaRPr>
+          </a:p>
+          <a:p>
+            <a:pPr indent="0" lvl="0" marL="0" algn="ctr">
+              <a:spcBef>
+                <a:spcPts val="0"/>
+              </a:spcBef>
+              <a:spcAft>
+                <a:spcPts val="0"/>
+              </a:spcAft>
+              <a:buNone/>
+            </a:pPr>
+            <a:r>
+              <a:rPr lang="en-GB">
+                <a:solidFill>
+                  <a:schemeClr val="dk2"/>
+                </a:solidFill>
+              </a:rPr>
+              <a:t>Sends Process to Algorithm</a:t>
+            </a:r>
+            <a:endParaRPr>
+              <a:solidFill>
+                <a:schemeClr val="dk2"/>
+              </a:solidFill>
+            </a:endParaRPr>
+          </a:p>
+        </p:txBody>
+      </p:sp>
+      <p:sp>
+        <p:nvSpPr>
+          <p:cNvPr id="117" name="Google Shape;117;p20"/>
+          <p:cNvSpPr/>
+          <p:nvPr/>
+        </p:nvSpPr>
+        <p:spPr>
+          <a:xfrm>
+            <a:off x="6572700" y="2934475"/>
+            <a:ext cx="1170000" cy="1170000"/>
+          </a:xfrm>
+          <a:prstGeom prst="roundRect">
+            <a:avLst>
+              <a:gd fmla="val 16667" name="adj"/>
+            </a:avLst>
+          </a:prstGeom>
+          <a:noFill/>
+          <a:ln cap="flat" cmpd="sng" w="19050">
+            <a:solidFill>
+              <a:schemeClr val="accent2"/>
+            </a:solidFill>
+            <a:prstDash val="solid"/>
+            <a:round/>
+            <a:headEnd len="sm" w="sm" type="none"/>
+            <a:tailEnd len="sm" w="sm" type="none"/>
+          </a:ln>
+        </p:spPr>
+        <p:txBody>
+          <a:bodyPr anchorCtr="0" anchor="ctr" bIns="91425" lIns="91425" spcFirstLastPara="1" rIns="91425" wrap="square" tIns="91425">
+            <a:noAutofit/>
+          </a:bodyPr>
+          <a:lstStyle/>
+          <a:p>
+            <a:pPr indent="0" lvl="0" marL="0" algn="ctr">
+              <a:spcBef>
+                <a:spcPts val="0"/>
+              </a:spcBef>
+              <a:spcAft>
+                <a:spcPts val="0"/>
+              </a:spcAft>
+              <a:buNone/>
+            </a:pPr>
+            <a:r>
+              <a:rPr lang="en-GB">
+                <a:solidFill>
+                  <a:schemeClr val="dk2"/>
+                </a:solidFill>
+              </a:rPr>
+              <a:t>Consumer Runs Algorithm</a:t>
+            </a:r>
+            <a:endParaRPr>
+              <a:solidFill>
+                <a:schemeClr val="dk2"/>
+              </a:solidFill>
+            </a:endParaRPr>
+          </a:p>
+        </p:txBody>
+      </p:sp>
+      <p:cxnSp>
+        <p:nvCxnSpPr>
+          <p:cNvPr id="118" name="Google Shape;118;p20"/>
+          <p:cNvCxnSpPr/>
+          <p:nvPr/>
+        </p:nvCxnSpPr>
+        <p:spPr>
+          <a:xfrm>
+            <a:off x="2553600" y="2011075"/>
+            <a:ext cx="0" cy="2864400"/>
+          </a:xfrm>
+          <a:prstGeom prst="straightConnector1">
+            <a:avLst/>
+          </a:prstGeom>
+          <a:noFill/>
+          <a:ln cap="flat" cmpd="sng" w="9525">
+            <a:solidFill>
+              <a:schemeClr val="dk2"/>
+            </a:solidFill>
+            <a:prstDash val="solid"/>
+            <a:round/>
+            <a:headEnd len="med" w="med" type="none"/>
+            <a:tailEnd len="med" w="med" type="none"/>
+          </a:ln>
+        </p:spPr>
+      </p:cxnSp>
+      <p:sp>
+        <p:nvSpPr>
+          <p:cNvPr id="119" name="Google Shape;119;p20"/>
+          <p:cNvSpPr txBox="1"/>
+          <p:nvPr/>
+        </p:nvSpPr>
+        <p:spPr>
+          <a:xfrm>
+            <a:off x="3821100" y="2045238"/>
+            <a:ext cx="950700" cy="463200"/>
+          </a:xfrm>
+          <a:prstGeom prst="rect">
+            <a:avLst/>
+          </a:prstGeom>
+          <a:noFill/>
+          <a:ln>
+            <a:noFill/>
+          </a:ln>
+        </p:spPr>
+        <p:txBody>
+          <a:bodyPr anchorCtr="0" anchor="t" bIns="91425" lIns="91425" spcFirstLastPara="1" rIns="91425" wrap="square" tIns="91425">
+            <a:noAutofit/>
+          </a:bodyPr>
+          <a:lstStyle/>
+          <a:p>
+            <a:pPr indent="0" lvl="0" marL="0">
+              <a:spcBef>
+                <a:spcPts val="0"/>
+              </a:spcBef>
+              <a:spcAft>
+                <a:spcPts val="0"/>
+              </a:spcAft>
+              <a:buNone/>
+            </a:pPr>
+            <a:r>
+              <a:rPr lang="en-GB">
+                <a:solidFill>
+                  <a:schemeClr val="dk2"/>
+                </a:solidFill>
+              </a:rPr>
+              <a:t>Producer</a:t>
+            </a:r>
+            <a:endParaRPr>
+              <a:solidFill>
+                <a:schemeClr val="dk2"/>
+              </a:solidFill>
+            </a:endParaRPr>
+          </a:p>
+        </p:txBody>
+      </p:sp>
+      <p:cxnSp>
+        <p:nvCxnSpPr>
+          <p:cNvPr id="120" name="Google Shape;120;p20"/>
+          <p:cNvCxnSpPr/>
+          <p:nvPr/>
+        </p:nvCxnSpPr>
+        <p:spPr>
+          <a:xfrm>
+            <a:off x="6124700" y="2047650"/>
+            <a:ext cx="0" cy="2864400"/>
+          </a:xfrm>
+          <a:prstGeom prst="straightConnector1">
+            <a:avLst/>
+          </a:prstGeom>
+          <a:noFill/>
+          <a:ln cap="flat" cmpd="sng" w="9525">
+            <a:solidFill>
+              <a:schemeClr val="dk2"/>
+            </a:solidFill>
+            <a:prstDash val="solid"/>
+            <a:round/>
+            <a:headEnd len="med" w="med" type="none"/>
+            <a:tailEnd len="med" w="med" type="none"/>
+          </a:ln>
+        </p:spPr>
+      </p:cxnSp>
+      <p:sp>
+        <p:nvSpPr>
+          <p:cNvPr id="121" name="Google Shape;121;p20"/>
+          <p:cNvSpPr txBox="1"/>
+          <p:nvPr/>
+        </p:nvSpPr>
+        <p:spPr>
+          <a:xfrm>
+            <a:off x="6606025" y="2047650"/>
+            <a:ext cx="1060500" cy="463200"/>
+          </a:xfrm>
+          <a:prstGeom prst="rect">
+            <a:avLst/>
+          </a:prstGeom>
+          <a:noFill/>
+          <a:ln>
+            <a:noFill/>
+          </a:ln>
+        </p:spPr>
+        <p:txBody>
+          <a:bodyPr anchorCtr="0" anchor="t" bIns="91425" lIns="91425" spcFirstLastPara="1" rIns="91425" wrap="square" tIns="91425">
+            <a:noAutofit/>
+          </a:bodyPr>
+          <a:lstStyle/>
+          <a:p>
+            <a:pPr indent="0" lvl="0" marL="0" rtl="0">
+              <a:spcBef>
+                <a:spcPts val="0"/>
+              </a:spcBef>
+              <a:spcAft>
+                <a:spcPts val="0"/>
+              </a:spcAft>
+              <a:buNone/>
+            </a:pPr>
+            <a:r>
+              <a:rPr lang="en-GB">
+                <a:solidFill>
+                  <a:schemeClr val="dk2"/>
+                </a:solidFill>
+              </a:rPr>
+              <a:t>Consumer</a:t>
+            </a:r>
+            <a:endParaRPr>
+              <a:solidFill>
+                <a:schemeClr val="dk2"/>
+              </a:solidFill>
+            </a:endParaRPr>
+          </a:p>
+        </p:txBody>
+      </p:sp>
+      <p:cxnSp>
+        <p:nvCxnSpPr>
+          <p:cNvPr id="122" name="Google Shape;122;p20"/>
+          <p:cNvCxnSpPr>
+            <a:stCxn id="114" idx="3"/>
+            <a:endCxn id="115" idx="1"/>
+          </p:cNvCxnSpPr>
+          <p:nvPr/>
+        </p:nvCxnSpPr>
+        <p:spPr>
+          <a:xfrm>
+            <a:off x="2151300" y="3519475"/>
+            <a:ext cx="728400" cy="0"/>
+          </a:xfrm>
+          <a:prstGeom prst="straightConnector1">
+            <a:avLst/>
+          </a:prstGeom>
+          <a:noFill/>
+          <a:ln cap="flat" cmpd="sng" w="9525">
+            <a:solidFill>
+              <a:schemeClr val="dk2"/>
+            </a:solidFill>
+            <a:prstDash val="solid"/>
+            <a:round/>
+            <a:headEnd len="med" w="med" type="none"/>
+            <a:tailEnd len="med" w="med" type="triangle"/>
+          </a:ln>
+        </p:spPr>
+      </p:cxnSp>
+      <p:sp>
+        <p:nvSpPr>
+          <p:cNvPr id="123" name="Google Shape;123;p20"/>
+          <p:cNvSpPr txBox="1"/>
+          <p:nvPr/>
+        </p:nvSpPr>
+        <p:spPr>
+          <a:xfrm>
+            <a:off x="1014750" y="2045250"/>
+            <a:ext cx="1060500" cy="463200"/>
+          </a:xfrm>
+          <a:prstGeom prst="rect">
+            <a:avLst/>
+          </a:prstGeom>
+          <a:noFill/>
+          <a:ln>
+            <a:noFill/>
+          </a:ln>
+        </p:spPr>
+        <p:txBody>
+          <a:bodyPr anchorCtr="0" anchor="t" bIns="91425" lIns="91425" spcFirstLastPara="1" rIns="91425" wrap="square" tIns="91425">
+            <a:noAutofit/>
+          </a:bodyPr>
+          <a:lstStyle/>
+          <a:p>
+            <a:pPr indent="0" lvl="0" marL="0" rtl="0">
+              <a:spcBef>
+                <a:spcPts val="0"/>
+              </a:spcBef>
+              <a:spcAft>
+                <a:spcPts val="0"/>
+              </a:spcAft>
+              <a:buNone/>
+            </a:pPr>
+            <a:r>
+              <a:rPr lang="en-GB">
+                <a:solidFill>
+                  <a:schemeClr val="dk2"/>
+                </a:solidFill>
+              </a:rPr>
+              <a:t>Scheduler</a:t>
+            </a:r>
+            <a:endParaRPr>
+              <a:solidFill>
+                <a:schemeClr val="dk2"/>
+              </a:solidFill>
+            </a:endParaRPr>
+          </a:p>
+        </p:txBody>
+      </p:sp>
+      <p:cxnSp>
+        <p:nvCxnSpPr>
+          <p:cNvPr id="124" name="Google Shape;124;p20"/>
+          <p:cNvCxnSpPr>
+            <a:stCxn id="115" idx="3"/>
+            <a:endCxn id="116" idx="1"/>
+          </p:cNvCxnSpPr>
+          <p:nvPr/>
+        </p:nvCxnSpPr>
+        <p:spPr>
+          <a:xfrm>
+            <a:off x="4049700" y="3519475"/>
+            <a:ext cx="569700" cy="0"/>
+          </a:xfrm>
+          <a:prstGeom prst="straightConnector1">
+            <a:avLst/>
+          </a:prstGeom>
+          <a:noFill/>
+          <a:ln cap="flat" cmpd="sng" w="9525">
+            <a:solidFill>
+              <a:schemeClr val="dk2"/>
+            </a:solidFill>
+            <a:prstDash val="solid"/>
+            <a:round/>
+            <a:headEnd len="med" w="med" type="none"/>
+            <a:tailEnd len="med" w="med" type="triangle"/>
+          </a:ln>
+        </p:spPr>
+      </p:cxnSp>
+      <p:cxnSp>
+        <p:nvCxnSpPr>
+          <p:cNvPr id="125" name="Google Shape;125;p20"/>
+          <p:cNvCxnSpPr>
+            <a:stCxn id="116" idx="3"/>
+            <a:endCxn id="117" idx="1"/>
+          </p:cNvCxnSpPr>
+          <p:nvPr/>
+        </p:nvCxnSpPr>
+        <p:spPr>
+          <a:xfrm>
+            <a:off x="5789400" y="3519450"/>
+            <a:ext cx="783300" cy="0"/>
+          </a:xfrm>
+          <a:prstGeom prst="straightConnector1">
+            <a:avLst/>
+          </a:prstGeom>
+          <a:noFill/>
+          <a:ln cap="flat" cmpd="sng" w="9525">
+            <a:solidFill>
+              <a:schemeClr val="dk2"/>
+            </a:solidFill>
+            <a:prstDash val="solid"/>
+            <a:round/>
+            <a:headEnd len="med" w="med" type="none"/>
+            <a:tailEnd len="med" w="med" type="triangle"/>
+          </a:ln>
+        </p:spPr>
+      </p:cxnSp>
+      <p:sp>
+        <p:nvSpPr>
+          <p:cNvPr id="126" name="Google Shape;126;p20"/>
+          <p:cNvSpPr/>
+          <p:nvPr/>
+        </p:nvSpPr>
+        <p:spPr>
+          <a:xfrm>
+            <a:off x="253250" y="3373225"/>
+            <a:ext cx="316800" cy="292500"/>
+          </a:xfrm>
+          <a:prstGeom prst="ellipse">
+            <a:avLst/>
+          </a:prstGeom>
+          <a:noFill/>
+          <a:ln cap="flat" cmpd="sng" w="19050">
+            <a:solidFill>
+              <a:schemeClr val="lt2"/>
+            </a:solidFill>
+            <a:prstDash val="solid"/>
+            <a:round/>
+            <a:headEnd len="sm" w="sm" type="none"/>
+            <a:tailEnd len="sm" w="sm" type="none"/>
+          </a:ln>
+        </p:spPr>
+        <p:txBody>
+          <a:bodyPr anchorCtr="0" anchor="ctr" bIns="91425" lIns="91425" spcFirstLastPara="1" rIns="91425" wrap="square" tIns="91425">
+            <a:noAutofit/>
+          </a:bodyPr>
+          <a:lstStyle/>
+          <a:p>
+            <a:pPr indent="0" lvl="0" marL="0">
+              <a:spcBef>
+                <a:spcPts val="0"/>
+              </a:spcBef>
+              <a:spcAft>
+                <a:spcPts val="0"/>
+              </a:spcAft>
+              <a:buNone/>
+            </a:pPr>
+            <a:r>
+              <a:t/>
+            </a:r>
+            <a:endParaRPr/>
+          </a:p>
+        </p:txBody>
+      </p:sp>
+      <p:sp>
+        <p:nvSpPr>
+          <p:cNvPr id="127" name="Google Shape;127;p20"/>
+          <p:cNvSpPr/>
+          <p:nvPr/>
+        </p:nvSpPr>
+        <p:spPr>
+          <a:xfrm>
+            <a:off x="8190700" y="3348775"/>
+            <a:ext cx="378000" cy="341400"/>
+          </a:xfrm>
+          <a:prstGeom prst="donut">
+            <a:avLst>
+              <a:gd fmla="val 25000" name="adj"/>
+            </a:avLst>
+          </a:prstGeom>
+          <a:noFill/>
+          <a:ln cap="flat" cmpd="sng" w="19050">
+            <a:solidFill>
+              <a:schemeClr val="lt2"/>
+            </a:solidFill>
+            <a:prstDash val="solid"/>
+            <a:round/>
+            <a:headEnd len="sm" w="sm" type="none"/>
+            <a:tailEnd len="sm" w="sm" type="none"/>
+          </a:ln>
+        </p:spPr>
+        <p:txBody>
+          <a:bodyPr anchorCtr="0" anchor="ctr" bIns="91425" lIns="91425" spcFirstLastPara="1" rIns="91425" wrap="square" tIns="91425">
+            <a:noAutofit/>
+          </a:bodyPr>
+          <a:lstStyle/>
+          <a:p>
+            <a:pPr indent="0" lvl="0" marL="0">
+              <a:spcBef>
+                <a:spcPts val="0"/>
+              </a:spcBef>
+              <a:spcAft>
+                <a:spcPts val="0"/>
+              </a:spcAft>
+              <a:buNone/>
+            </a:pPr>
+            <a:r>
+              <a:t/>
+            </a:r>
+            <a:endParaRPr/>
+          </a:p>
+        </p:txBody>
+      </p:sp>
+      <p:cxnSp>
+        <p:nvCxnSpPr>
+          <p:cNvPr id="128" name="Google Shape;128;p20"/>
+          <p:cNvCxnSpPr>
+            <a:stCxn id="126" idx="6"/>
+            <a:endCxn id="114" idx="1"/>
+          </p:cNvCxnSpPr>
+          <p:nvPr/>
+        </p:nvCxnSpPr>
+        <p:spPr>
+          <a:xfrm>
+            <a:off x="570050" y="3519475"/>
+            <a:ext cx="411300" cy="0"/>
+          </a:xfrm>
+          <a:prstGeom prst="straightConnector1">
+            <a:avLst/>
+          </a:prstGeom>
+          <a:noFill/>
+          <a:ln cap="flat" cmpd="sng" w="9525">
+            <a:solidFill>
+              <a:schemeClr val="dk2"/>
+            </a:solidFill>
+            <a:prstDash val="solid"/>
+            <a:round/>
+            <a:headEnd len="med" w="med" type="none"/>
+            <a:tailEnd len="med" w="med" type="triangle"/>
+          </a:ln>
+        </p:spPr>
+      </p:cxnSp>
+      <p:cxnSp>
+        <p:nvCxnSpPr>
+          <p:cNvPr id="129" name="Google Shape;129;p20"/>
+          <p:cNvCxnSpPr>
+            <a:stCxn id="117" idx="3"/>
+            <a:endCxn id="127" idx="2"/>
+          </p:cNvCxnSpPr>
+          <p:nvPr/>
+        </p:nvCxnSpPr>
+        <p:spPr>
+          <a:xfrm>
+            <a:off x="7742700" y="3519475"/>
+            <a:ext cx="447900" cy="0"/>
+          </a:xfrm>
+          <a:prstGeom prst="straightConnector1">
+            <a:avLst/>
+          </a:prstGeom>
+          <a:noFill/>
+          <a:ln cap="flat" cmpd="sng" w="9525">
+            <a:solidFill>
+              <a:schemeClr val="dk2"/>
+            </a:solidFill>
+            <a:prstDash val="solid"/>
+            <a:round/>
+            <a:headEnd len="med" w="med" type="none"/>
+            <a:tailEnd len="med" w="med" type="triangle"/>
+          </a:ln>
+        </p:spPr>
+      </p:cxnSp>
+      <p:sp>
+        <p:nvSpPr>
+          <p:cNvPr id="130" name="Google Shape;130;p20"/>
+          <p:cNvSpPr/>
+          <p:nvPr/>
+        </p:nvSpPr>
+        <p:spPr>
+          <a:xfrm>
+            <a:off x="6700552" y="4119675"/>
+            <a:ext cx="965987" cy="495550"/>
+          </a:xfrm>
+          <a:custGeom>
+            <a:pathLst>
+              <a:path extrusionOk="0" h="19822" w="28607">
+                <a:moveTo>
+                  <a:pt x="1598" y="0"/>
+                </a:moveTo>
+                <a:cubicBezTo>
+                  <a:pt x="1679" y="2844"/>
+                  <a:pt x="-2140" y="14058"/>
+                  <a:pt x="2085" y="17064"/>
+                </a:cubicBezTo>
+                <a:cubicBezTo>
+                  <a:pt x="6310" y="20071"/>
+                  <a:pt x="22968" y="20802"/>
+                  <a:pt x="26949" y="18039"/>
+                </a:cubicBezTo>
+                <a:cubicBezTo>
+                  <a:pt x="30931" y="15276"/>
+                  <a:pt x="26137" y="3413"/>
+                  <a:pt x="25974" y="488"/>
+                </a:cubicBezTo>
+              </a:path>
+            </a:pathLst>
+          </a:custGeom>
+          <a:noFill/>
+          <a:ln cap="flat" cmpd="sng" w="19050">
+            <a:solidFill>
+              <a:schemeClr val="accent2"/>
+            </a:solidFill>
+            <a:prstDash val="solid"/>
+            <a:round/>
+            <a:headEnd len="med" w="med" type="none"/>
+            <a:tailEnd len="med" w="med" type="triangle"/>
+          </a:ln>
+        </p:spPr>
+      </p:sp>
+      <p:sp>
+        <p:nvSpPr>
+          <p:cNvPr id="131" name="Google Shape;131;p20"/>
+          <p:cNvSpPr txBox="1"/>
+          <p:nvPr/>
+        </p:nvSpPr>
+        <p:spPr>
+          <a:xfrm>
+            <a:off x="6624350" y="4153175"/>
+            <a:ext cx="1060500" cy="146400"/>
+          </a:xfrm>
+          <a:prstGeom prst="rect">
+            <a:avLst/>
+          </a:prstGeom>
+          <a:noFill/>
+          <a:ln>
+            <a:noFill/>
+          </a:ln>
+        </p:spPr>
+        <p:txBody>
+          <a:bodyPr anchorCtr="0" anchor="t" bIns="91425" lIns="91425" spcFirstLastPara="1" rIns="91425" wrap="square" tIns="91425">
+            <a:noAutofit/>
+          </a:bodyPr>
+          <a:lstStyle/>
+          <a:p>
+            <a:pPr indent="0" lvl="0" marL="0" algn="ctr">
+              <a:spcBef>
+                <a:spcPts val="0"/>
+              </a:spcBef>
+              <a:spcAft>
+                <a:spcPts val="0"/>
+              </a:spcAft>
+              <a:buNone/>
+            </a:pPr>
+            <a:r>
+              <a:rPr lang="en-GB" sz="1100">
+                <a:solidFill>
+                  <a:schemeClr val="dk2"/>
+                </a:solidFill>
+              </a:rPr>
+              <a:t>time slice</a:t>
+            </a:r>
+            <a:endParaRPr sz="1100">
+              <a:solidFill>
+                <a:schemeClr val="dk2"/>
+              </a:solidFill>
+            </a:endParaRPr>
+          </a:p>
+        </p:txBody>
+      </p:sp>
+    </p:spTree>
+  </p:cSld>
+  <p:clrMapOvr>
+    <a:masterClrMapping/>
+  </p:clrMapOvr>
+</p:sld>
+</file>
+
+<file path=ppt/slides/slide9.xml><?xml version="1.0" encoding="utf-8"?>
+<p:sld xmlns:a="http://schemas.openxmlformats.org/drawingml/2006/main" xmlns:r="http://schemas.openxmlformats.org/officeDocument/2006/relationships" xmlns:mc="http://schemas.openxmlformats.org/markup-compatibility/2006" xmlns:mv="urn:schemas-microsoft-com:mac:vml" xmlns:p="http://schemas.openxmlformats.org/presentationml/2006/main" xmlns:c="http://schemas.openxmlformats.org/drawingml/2006/chart" xmlns:dgm="http://schemas.openxmlformats.org/drawingml/2006/diagram" xmlns:o="urn:schemas-microsoft-com:office:office" xmlns:v="urn:schemas-microsoft-com:vml" xmlns:pvml="urn:schemas-microsoft-com:office:powerpoint" xmlns:com="http://schemas.openxmlformats.org/drawingml/2006/compatibility" xmlns:p14="http://schemas.microsoft.com/office/powerpoint/2010/main" xmlns:p15="http://schemas.microsoft.com/office/powerpoint/2012/main">
+  <p:cSld>
+    <p:spTree>
+      <p:nvGrpSpPr>
+        <p:cNvPr id="135" name="Shape 135"/>
+        <p:cNvGrpSpPr/>
+        <p:nvPr/>
+      </p:nvGrpSpPr>
+      <p:grpSpPr>
+        <a:xfrm>
+          <a:off x="0" y="0"/>
+          <a:ext cx="0" cy="0"/>
+          <a:chOff x="0" y="0"/>
+          <a:chExt cx="0" cy="0"/>
+        </a:xfrm>
+      </p:grpSpPr>
+      <p:sp>
+        <p:nvSpPr>
+          <p:cNvPr id="136" name="Google Shape;136;p21"/>
+          <p:cNvSpPr txBox="1"/>
+          <p:nvPr>
+            <p:ph type="title"/>
+          </p:nvPr>
+        </p:nvSpPr>
+        <p:spPr>
+          <a:xfrm>
+            <a:off x="471900" y="738725"/>
+            <a:ext cx="8222100" cy="767700"/>
+          </a:xfrm>
+          <a:prstGeom prst="rect">
+            <a:avLst/>
+          </a:prstGeom>
+        </p:spPr>
+        <p:txBody>
+          <a:bodyPr anchorCtr="0" anchor="b" bIns="91425" lIns="91425" spcFirstLastPara="1" rIns="91425" wrap="square" tIns="91425">
+            <a:noAutofit/>
+          </a:bodyPr>
+          <a:lstStyle/>
+          <a:p>
+            <a:pPr indent="0" lvl="0" marL="0">
+              <a:spcBef>
+                <a:spcPts val="0"/>
+              </a:spcBef>
+              <a:spcAft>
+                <a:spcPts val="0"/>
+              </a:spcAft>
+              <a:buNone/>
+            </a:pPr>
+            <a:r>
+              <a:rPr lang="en-GB"/>
+              <a:t>Testing</a:t>
+            </a:r>
+            <a:endParaRPr/>
+          </a:p>
+        </p:txBody>
+      </p:sp>
+      <p:sp>
+        <p:nvSpPr>
+          <p:cNvPr id="137" name="Google Shape;137;p21"/>
           <p:cNvSpPr txBox="1"/>
           <p:nvPr>
             <p:ph idx="1" type="body"/>
@@ -9669,216 +10839,6 @@
           </a:p>
         </p:txBody>
       </p:sp>
-    </p:spTree>
-  </p:cSld>
-  <p:clrMapOvr>
-    <a:masterClrMapping/>
-  </p:clrMapOvr>
-</p:sld>
-</file>
-
-<file path=ppt/slides/slide9.xml><?xml version="1.0" encoding="utf-8"?>
-<p:sld xmlns:a="http://schemas.openxmlformats.org/drawingml/2006/main" xmlns:r="http://schemas.openxmlformats.org/officeDocument/2006/relationships" xmlns:mc="http://schemas.openxmlformats.org/markup-compatibility/2006" xmlns:mv="urn:schemas-microsoft-com:mac:vml" xmlns:p="http://schemas.openxmlformats.org/presentationml/2006/main" xmlns:c="http://schemas.openxmlformats.org/drawingml/2006/chart" xmlns:dgm="http://schemas.openxmlformats.org/drawingml/2006/diagram" xmlns:o="urn:schemas-microsoft-com:office:office" xmlns:v="urn:schemas-microsoft-com:vml" xmlns:pvml="urn:schemas-microsoft-com:office:powerpoint" xmlns:com="http://schemas.openxmlformats.org/drawingml/2006/compatibility" xmlns:p14="http://schemas.microsoft.com/office/powerpoint/2010/main" xmlns:p15="http://schemas.microsoft.com/office/powerpoint/2012/main">
-  <p:cSld>
-    <p:spTree>
-      <p:nvGrpSpPr>
-        <p:cNvPr id="118" name="Shape 118"/>
-        <p:cNvGrpSpPr/>
-        <p:nvPr/>
-      </p:nvGrpSpPr>
-      <p:grpSpPr>
-        <a:xfrm>
-          <a:off x="0" y="0"/>
-          <a:ext cx="0" cy="0"/>
-          <a:chOff x="0" y="0"/>
-          <a:chExt cx="0" cy="0"/>
-        </a:xfrm>
-      </p:grpSpPr>
-      <p:sp>
-        <p:nvSpPr>
-          <p:cNvPr id="119" name="Google Shape;119;p21"/>
-          <p:cNvSpPr txBox="1"/>
-          <p:nvPr>
-            <p:ph type="title"/>
-          </p:nvPr>
-        </p:nvSpPr>
-        <p:spPr>
-          <a:xfrm>
-            <a:off x="471900" y="738725"/>
-            <a:ext cx="8222100" cy="767700"/>
-          </a:xfrm>
-          <a:prstGeom prst="rect">
-            <a:avLst/>
-          </a:prstGeom>
-        </p:spPr>
-        <p:txBody>
-          <a:bodyPr anchorCtr="0" anchor="b" bIns="91425" lIns="91425" spcFirstLastPara="1" rIns="91425" wrap="square" tIns="91425">
-            <a:noAutofit/>
-          </a:bodyPr>
-          <a:lstStyle/>
-          <a:p>
-            <a:pPr indent="0" lvl="0" marL="0">
-              <a:spcBef>
-                <a:spcPts val="0"/>
-              </a:spcBef>
-              <a:spcAft>
-                <a:spcPts val="0"/>
-              </a:spcAft>
-              <a:buNone/>
-            </a:pPr>
-            <a:r>
-              <a:rPr lang="en-GB"/>
-              <a:t>Demo Time</a:t>
-            </a:r>
-            <a:endParaRPr/>
-          </a:p>
-        </p:txBody>
-      </p:sp>
-      <p:sp>
-        <p:nvSpPr>
-          <p:cNvPr id="120" name="Google Shape;120;p21"/>
-          <p:cNvSpPr txBox="1"/>
-          <p:nvPr>
-            <p:ph idx="1" type="body"/>
-          </p:nvPr>
-        </p:nvSpPr>
-        <p:spPr>
-          <a:xfrm>
-            <a:off x="471900" y="1919075"/>
-            <a:ext cx="5274000" cy="2710200"/>
-          </a:xfrm>
-          <a:prstGeom prst="rect">
-            <a:avLst/>
-          </a:prstGeom>
-        </p:spPr>
-        <p:txBody>
-          <a:bodyPr anchorCtr="0" anchor="t" bIns="91425" lIns="91425" spcFirstLastPara="1" rIns="91425" wrap="square" tIns="91425">
-            <a:noAutofit/>
-          </a:bodyPr>
-          <a:lstStyle/>
-          <a:p>
-            <a:pPr indent="0" lvl="0" marL="0" rtl="0">
-              <a:spcBef>
-                <a:spcPts val="0"/>
-              </a:spcBef>
-              <a:spcAft>
-                <a:spcPts val="0"/>
-              </a:spcAft>
-              <a:buNone/>
-            </a:pPr>
-            <a:r>
-              <a:t/>
-            </a:r>
-            <a:endParaRPr/>
-          </a:p>
-          <a:p>
-            <a:pPr indent="0" lvl="0" marL="0" rtl="0">
-              <a:spcBef>
-                <a:spcPts val="1600"/>
-              </a:spcBef>
-              <a:spcAft>
-                <a:spcPts val="0"/>
-              </a:spcAft>
-              <a:buNone/>
-            </a:pPr>
-            <a:r>
-              <a:rPr lang="en-GB"/>
-              <a:t>Time to go down the gopher hole!</a:t>
-            </a:r>
-            <a:endParaRPr/>
-          </a:p>
-          <a:p>
-            <a:pPr indent="0" lvl="0" marL="0" rtl="0">
-              <a:spcBef>
-                <a:spcPts val="1600"/>
-              </a:spcBef>
-              <a:spcAft>
-                <a:spcPts val="0"/>
-              </a:spcAft>
-              <a:buNone/>
-            </a:pPr>
-            <a:r>
-              <a:rPr lang="en-GB"/>
-              <a:t>Available at </a:t>
-            </a:r>
-            <a:r>
-              <a:rPr b="1" lang="en-GB" u="sng">
-                <a:solidFill>
-                  <a:schemeClr val="hlink"/>
-                </a:solidFill>
-                <a:hlinkClick r:id="rId3"/>
-              </a:rPr>
-              <a:t>github.com/ryjen/os</a:t>
-            </a:r>
-            <a:endParaRPr b="1"/>
-          </a:p>
-          <a:p>
-            <a:pPr indent="0" lvl="0" marL="0" rtl="0">
-              <a:spcBef>
-                <a:spcPts val="1600"/>
-              </a:spcBef>
-              <a:spcAft>
-                <a:spcPts val="0"/>
-              </a:spcAft>
-              <a:buNone/>
-            </a:pPr>
-            <a:r>
-              <a:rPr lang="en-GB"/>
-              <a:t>Find bugs, fork, change, whatever.</a:t>
-            </a:r>
-            <a:endParaRPr/>
-          </a:p>
-          <a:p>
-            <a:pPr indent="0" lvl="0" marL="0">
-              <a:spcBef>
-                <a:spcPts val="1600"/>
-              </a:spcBef>
-              <a:spcAft>
-                <a:spcPts val="1600"/>
-              </a:spcAft>
-              <a:buNone/>
-            </a:pPr>
-            <a:r>
-              <a:t/>
-            </a:r>
-            <a:endParaRPr/>
-          </a:p>
-        </p:txBody>
-      </p:sp>
-      <p:pic>
-        <p:nvPicPr>
-          <p:cNvPr id="121" name="Google Shape;121;p21"/>
-          <p:cNvPicPr preferRelativeResize="0"/>
-          <p:nvPr/>
-        </p:nvPicPr>
-        <p:blipFill>
-          <a:blip r:embed="rId4">
-            <a:alphaModFix/>
-          </a:blip>
-          <a:stretch>
-            <a:fillRect/>
-          </a:stretch>
-        </p:blipFill>
-        <p:spPr>
-          <a:xfrm>
-            <a:off x="6000475" y="2041950"/>
-            <a:ext cx="1848125" cy="2551475"/>
-          </a:xfrm>
-          <a:prstGeom prst="rect">
-            <a:avLst/>
-          </a:prstGeom>
-          <a:noFill/>
-          <a:ln cap="flat" cmpd="sng" w="19050">
-            <a:solidFill>
-              <a:schemeClr val="lt2"/>
-            </a:solidFill>
-            <a:prstDash val="solid"/>
-            <a:round/>
-            <a:headEnd len="sm" w="sm" type="none"/>
-            <a:tailEnd len="sm" w="sm" type="none"/>
-          </a:ln>
-        </p:spPr>
-      </p:pic>
     </p:spTree>
   </p:cSld>
   <p:clrMapOvr>

--- a/scheduling/slides.pptx
+++ b/scheduling/slides.pptx
@@ -809,7 +809,7 @@
             <a:endParaRPr/>
           </a:p>
           <a:p>
-            <a:pPr indent="-298450" lvl="0" marL="457200" rtl="0">
+            <a:pPr indent="-298450" lvl="0" marL="457200">
               <a:spcBef>
                 <a:spcPts val="0"/>
               </a:spcBef>
@@ -820,25 +820,7 @@
               <a:buChar char="●"/>
             </a:pPr>
             <a:r>
-              <a:rPr lang="en-GB"/>
-              <a:t>Won’t reintroduce too much theory on new algorithms as we have already seen presentations on lottery and multi-level feedback queues</a:t>
-            </a:r>
-            <a:endParaRPr/>
-          </a:p>
-          <a:p>
-            <a:pPr indent="-298450" lvl="0" marL="457200">
-              <a:spcBef>
-                <a:spcPts val="0"/>
-              </a:spcBef>
-              <a:spcAft>
-                <a:spcPts val="0"/>
-              </a:spcAft>
-              <a:buSzPts val="1100"/>
-              <a:buChar char="●"/>
-            </a:pPr>
-            <a:r>
-              <a:rPr lang="en-GB"/>
-              <a:t>I will attempt to share the architecture of my test suite from a high level and show them in practice</a:t>
+              <a:t/>
             </a:r>
             <a:endParaRPr/>
           </a:p>
@@ -1094,17 +1076,36 @@
           </a:bodyPr>
           <a:lstStyle/>
           <a:p>
-            <a:pPr indent="0" lvl="0" marL="0">
-              <a:spcBef>
-                <a:spcPts val="0"/>
-              </a:spcBef>
-              <a:spcAft>
-                <a:spcPts val="0"/>
-              </a:spcAft>
-              <a:buNone/>
-            </a:pPr>
-            <a:r>
-              <a:t/>
+            <a:pPr indent="-298450" lvl="0" marL="457200" rtl="0">
+              <a:spcBef>
+                <a:spcPts val="0"/>
+              </a:spcBef>
+              <a:spcAft>
+                <a:spcPts val="0"/>
+              </a:spcAft>
+              <a:buSzPts val="1100"/>
+              <a:buChar char="●"/>
+            </a:pPr>
+            <a:r>
+              <a:rPr lang="en-GB"/>
+              <a:t>Won’t reintroduce too much theory on new algorithms as we have already seen presentations on lottery and multi-level feedback queues</a:t>
+            </a:r>
+            <a:endParaRPr/>
+          </a:p>
+          <a:p>
+            <a:pPr indent="-298450" lvl="0" marL="457200" rtl="0">
+              <a:spcBef>
+                <a:spcPts val="0"/>
+              </a:spcBef>
+              <a:spcAft>
+                <a:spcPts val="0"/>
+              </a:spcAft>
+              <a:buSzPts val="1100"/>
+              <a:buChar char="●"/>
+            </a:pPr>
+            <a:r>
+              <a:rPr lang="en-GB"/>
+              <a:t>I will attempt to share the architecture of my test suite from a high level and show them in practice</a:t>
             </a:r>
             <a:endParaRPr/>
           </a:p>
@@ -1204,7 +1205,7 @@
             </a:pPr>
             <a:r>
               <a:rPr lang="en-GB"/>
-              <a:t>Queues should be able to handle FIFO or LIFO and sorting</a:t>
+              <a:t>Lists should be able to handle FIFO or LIFO and sorting</a:t>
             </a:r>
             <a:endParaRPr/>
           </a:p>
@@ -1603,7 +1604,7 @@
       </p:grpSpPr>
       <p:sp>
         <p:nvSpPr>
-          <p:cNvPr id="97" name="Google Shape;97;g3dd22f3116_0_786:notes"/>
+          <p:cNvPr id="97" name="Google Shape;97;g3dd2a30ff2_0_0:notes"/>
           <p:cNvSpPr/>
           <p:nvPr>
             <p:ph idx="2" type="sldImg"/>
@@ -1637,7 +1638,7 @@
       </p:sp>
       <p:sp>
         <p:nvSpPr>
-          <p:cNvPr id="98" name="Google Shape;98;g3dd22f3116_0_786:notes"/>
+          <p:cNvPr id="98" name="Google Shape;98;g3dd2a30ff2_0_0:notes"/>
           <p:cNvSpPr txBox="1"/>
           <p:nvPr>
             <p:ph idx="1" type="body"/>
@@ -1658,87 +1659,17 @@
           </a:bodyPr>
           <a:lstStyle/>
           <a:p>
-            <a:pPr indent="-298450" lvl="0" marL="457200" rtl="0">
-              <a:spcBef>
-                <a:spcPts val="0"/>
-              </a:spcBef>
-              <a:spcAft>
-                <a:spcPts val="0"/>
-              </a:spcAft>
-              <a:buSzPts val="1100"/>
-              <a:buChar char="-"/>
-            </a:pPr>
-            <a:r>
-              <a:rPr lang="en-GB"/>
-              <a:t>Algorithms operate every scheduler clock tick</a:t>
-            </a:r>
-            <a:endParaRPr/>
-          </a:p>
-          <a:p>
-            <a:pPr indent="-298450" lvl="0" marL="457200" rtl="0">
-              <a:spcBef>
-                <a:spcPts val="0"/>
-              </a:spcBef>
-              <a:spcAft>
-                <a:spcPts val="0"/>
-              </a:spcAft>
-              <a:buSzPts val="1100"/>
-              <a:buChar char="-"/>
-            </a:pPr>
-            <a:r>
-              <a:rPr lang="en-GB"/>
-              <a:t>They need to know what to do with a process when it arrives</a:t>
-            </a:r>
-            <a:endParaRPr/>
-          </a:p>
-          <a:p>
-            <a:pPr indent="-298450" lvl="0" marL="457200" rtl="0">
-              <a:spcBef>
-                <a:spcPts val="0"/>
-              </a:spcBef>
-              <a:spcAft>
-                <a:spcPts val="0"/>
-              </a:spcAft>
-              <a:buSzPts val="1100"/>
-              <a:buChar char="-"/>
-            </a:pPr>
-            <a:r>
-              <a:rPr lang="en-GB"/>
-              <a:t>They need to know if there a processes available</a:t>
-            </a:r>
-            <a:endParaRPr/>
-          </a:p>
-          <a:p>
-            <a:pPr indent="-298450" lvl="0" marL="457200" rtl="0">
-              <a:spcBef>
-                <a:spcPts val="0"/>
-              </a:spcBef>
-              <a:spcAft>
-                <a:spcPts val="0"/>
-              </a:spcAft>
-              <a:buSzPts val="1100"/>
-              <a:buChar char="-"/>
-            </a:pPr>
-            <a:r>
-              <a:rPr lang="en-GB"/>
-              <a:t>They need to know which process should be serviced</a:t>
-            </a:r>
-            <a:endParaRPr/>
-          </a:p>
-          <a:p>
-            <a:pPr indent="-298450" lvl="0" marL="457200" rtl="0">
-              <a:spcBef>
-                <a:spcPts val="0"/>
-              </a:spcBef>
-              <a:spcAft>
-                <a:spcPts val="0"/>
-              </a:spcAft>
-              <a:buSzPts val="1100"/>
-              <a:buChar char="-"/>
-            </a:pPr>
-            <a:r>
-              <a:rPr lang="en-GB"/>
-              <a:t>They need to know what to do with a process when serviced</a:t>
+            <a:pPr indent="0" lvl="0" marL="0">
+              <a:spcBef>
+                <a:spcPts val="0"/>
+              </a:spcBef>
+              <a:spcAft>
+                <a:spcPts val="0"/>
+              </a:spcAft>
+              <a:buNone/>
+            </a:pPr>
+            <a:r>
+              <a:t/>
             </a:r>
             <a:endParaRPr/>
           </a:p>
@@ -1757,7 +1688,7 @@
   <p:cSld>
     <p:spTree>
       <p:nvGrpSpPr>
-        <p:cNvPr id="102" name="Shape 102"/>
+        <p:cNvPr id="119" name="Shape 119"/>
         <p:cNvGrpSpPr/>
         <p:nvPr/>
       </p:nvGrpSpPr>
@@ -1771,7 +1702,7 @@
       </p:grpSpPr>
       <p:sp>
         <p:nvSpPr>
-          <p:cNvPr id="103" name="Google Shape;103;g3dd22f3116_0_796:notes"/>
+          <p:cNvPr id="120" name="Google Shape;120;g3dd22f3116_0_786:notes"/>
           <p:cNvSpPr/>
           <p:nvPr>
             <p:ph idx="2" type="sldImg"/>
@@ -1805,7 +1736,7 @@
       </p:sp>
       <p:sp>
         <p:nvSpPr>
-          <p:cNvPr id="104" name="Google Shape;104;g3dd22f3116_0_796:notes"/>
+          <p:cNvPr id="121" name="Google Shape;121;g3dd22f3116_0_786:notes"/>
           <p:cNvSpPr txBox="1"/>
           <p:nvPr>
             <p:ph idx="1" type="body"/>
@@ -1834,11 +1765,11 @@
                 <a:spcPts val="0"/>
               </a:spcAft>
               <a:buSzPts val="1100"/>
-              <a:buChar char="●"/>
+              <a:buChar char="-"/>
             </a:pPr>
             <a:r>
               <a:rPr lang="en-GB"/>
-              <a:t>Turns out basic algorithms only need a sorted queue on process data</a:t>
+              <a:t>Algorithms operate every scheduler clock tick</a:t>
             </a:r>
             <a:endParaRPr/>
           </a:p>
@@ -1851,11 +1782,11 @@
                 <a:spcPts val="0"/>
               </a:spcAft>
               <a:buSzPts val="1100"/>
-              <a:buChar char="●"/>
+              <a:buChar char="-"/>
             </a:pPr>
             <a:r>
               <a:rPr lang="en-GB"/>
-              <a:t>The more advanced algorithms need their own data structure</a:t>
+              <a:t>They need to know what to do with a process when it arrives</a:t>
             </a:r>
             <a:endParaRPr/>
           </a:p>
@@ -1868,11 +1799,11 @@
                 <a:spcPts val="0"/>
               </a:spcAft>
               <a:buSzPts val="1100"/>
-              <a:buChar char="●"/>
+              <a:buChar char="-"/>
             </a:pPr>
             <a:r>
               <a:rPr lang="en-GB"/>
-              <a:t>They key thing with lottery is how to assign tickets</a:t>
+              <a:t>They need to know if there a processes available</a:t>
             </a:r>
             <a:endParaRPr/>
           </a:p>
@@ -1885,26 +1816,28 @@
                 <a:spcPts val="0"/>
               </a:spcAft>
               <a:buSzPts val="1100"/>
-              <a:buChar char="●"/>
+              <a:buChar char="-"/>
             </a:pPr>
             <a:r>
               <a:rPr lang="en-GB"/>
-              <a:t>MLFQ is unverified.  The implementation is limited to FIFO queues and Round Robin algorithm.  The quantum for each queue is doubled.  There is no starvation prevention of promoting processes.</a:t>
+              <a:t>They need to know which process should be serviced</a:t>
             </a:r>
             <a:endParaRPr/>
           </a:p>
           <a:p>
-            <a:pPr indent="0" lvl="0" marL="457200" rtl="0">
-              <a:spcBef>
-                <a:spcPts val="0"/>
-              </a:spcBef>
-              <a:spcAft>
-                <a:spcPts val="0"/>
-              </a:spcAft>
-              <a:buNone/>
-            </a:pPr>
-            <a:r>
-              <a:t/>
+            <a:pPr indent="-298450" lvl="0" marL="457200" rtl="0">
+              <a:spcBef>
+                <a:spcPts val="0"/>
+              </a:spcBef>
+              <a:spcAft>
+                <a:spcPts val="0"/>
+              </a:spcAft>
+              <a:buSzPts val="1100"/>
+              <a:buChar char="-"/>
+            </a:pPr>
+            <a:r>
+              <a:rPr lang="en-GB"/>
+              <a:t>They need to know what to do with a process when serviced</a:t>
             </a:r>
             <a:endParaRPr/>
           </a:p>
@@ -1923,7 +1856,7 @@
   <p:cSld>
     <p:spTree>
       <p:nvGrpSpPr>
-        <p:cNvPr id="109" name="Shape 109"/>
+        <p:cNvPr id="125" name="Shape 125"/>
         <p:cNvGrpSpPr/>
         <p:nvPr/>
       </p:nvGrpSpPr>
@@ -1937,7 +1870,7 @@
       </p:grpSpPr>
       <p:sp>
         <p:nvSpPr>
-          <p:cNvPr id="110" name="Google Shape;110;g3dd2a30ff2_0_0:notes"/>
+          <p:cNvPr id="126" name="Google Shape;126;g3dd22f3116_0_796:notes"/>
           <p:cNvSpPr/>
           <p:nvPr>
             <p:ph idx="2" type="sldImg"/>
@@ -1971,7 +1904,7 @@
       </p:sp>
       <p:sp>
         <p:nvSpPr>
-          <p:cNvPr id="111" name="Google Shape;111;g3dd2a30ff2_0_0:notes"/>
+          <p:cNvPr id="127" name="Google Shape;127;g3dd22f3116_0_796:notes"/>
           <p:cNvSpPr txBox="1"/>
           <p:nvPr>
             <p:ph idx="1" type="body"/>
@@ -1992,7 +1925,75 @@
           </a:bodyPr>
           <a:lstStyle/>
           <a:p>
-            <a:pPr indent="0" lvl="0" marL="0">
+            <a:pPr indent="-298450" lvl="0" marL="457200" rtl="0">
+              <a:spcBef>
+                <a:spcPts val="0"/>
+              </a:spcBef>
+              <a:spcAft>
+                <a:spcPts val="0"/>
+              </a:spcAft>
+              <a:buSzPts val="1100"/>
+              <a:buChar char="●"/>
+            </a:pPr>
+            <a:r>
+              <a:rPr lang="en-GB"/>
+              <a:t>basic algorithms only need a queue to process</a:t>
+            </a:r>
+            <a:endParaRPr/>
+          </a:p>
+          <a:p>
+            <a:pPr indent="-298450" lvl="0" marL="457200" rtl="0">
+              <a:spcBef>
+                <a:spcPts val="0"/>
+              </a:spcBef>
+              <a:spcAft>
+                <a:spcPts val="0"/>
+              </a:spcAft>
+              <a:buSzPts val="1100"/>
+              <a:buChar char="●"/>
+            </a:pPr>
+            <a:r>
+              <a:rPr lang="en-GB"/>
+              <a:t>The more advanced algorithms need their own data structure</a:t>
+            </a:r>
+            <a:endParaRPr/>
+          </a:p>
+          <a:p>
+            <a:pPr indent="-298450" lvl="0" marL="457200" rtl="0">
+              <a:spcBef>
+                <a:spcPts val="0"/>
+              </a:spcBef>
+              <a:spcAft>
+                <a:spcPts val="0"/>
+              </a:spcAft>
+              <a:buSzPts val="1100"/>
+              <a:buChar char="●"/>
+            </a:pPr>
+            <a:r>
+              <a:rPr lang="en-GB"/>
+              <a:t>They key thing with lottery is how to assign tickets</a:t>
+            </a:r>
+            <a:endParaRPr/>
+          </a:p>
+          <a:p>
+            <a:pPr indent="-298450" lvl="0" marL="457200" rtl="0">
+              <a:spcBef>
+                <a:spcPts val="0"/>
+              </a:spcBef>
+              <a:spcAft>
+                <a:spcPts val="0"/>
+              </a:spcAft>
+              <a:buSzPts val="1100"/>
+              <a:buChar char="●"/>
+            </a:pPr>
+            <a:r>
+              <a:rPr lang="en-GB"/>
+              <a:t>MLFQ is unverified.  The implementation is limited to FIFO queues and Round Robin algorithm.  The quantum for each queue is doubled.  There is no starvation prevention of promoting processes.</a:t>
+            </a:r>
+            <a:endParaRPr/>
+          </a:p>
+          <a:p>
+            <a:pPr indent="0" lvl="0" marL="457200" rtl="0">
               <a:spcBef>
                 <a:spcPts val="0"/>
               </a:spcBef>
@@ -2119,7 +2120,7 @@
             </a:pPr>
             <a:r>
               <a:rPr lang="en-GB"/>
-              <a:t>The input is scripted</a:t>
+              <a:t>The input is scripted and same as the midterm</a:t>
             </a:r>
             <a:endParaRPr/>
           </a:p>
@@ -8293,7 +8294,7 @@
             </a:pPr>
             <a:r>
               <a:rPr lang="en-GB"/>
-              <a:t>Time to go down the gopher hole!</a:t>
+              <a:t>Time to see the algorithms at work.</a:t>
             </a:r>
             <a:endParaRPr/>
           </a:p>
@@ -8319,22 +8320,6 @@
                 <a:hlinkClick r:id="rId3"/>
               </a:rPr>
               <a:t>github.com/ryjen/os</a:t>
-            </a:r>
-            <a:endParaRPr b="1"/>
-          </a:p>
-          <a:p>
-            <a:pPr indent="0" lvl="0" marL="0" rtl="0">
-              <a:spcBef>
-                <a:spcPts val="1600"/>
-              </a:spcBef>
-              <a:spcAft>
-                <a:spcPts val="0"/>
-              </a:spcAft>
-              <a:buNone/>
-            </a:pPr>
-            <a:r>
-              <a:rPr lang="en-GB"/>
-              <a:t>Find bugs, fork, change, whatever.</a:t>
             </a:r>
             <a:endParaRPr/>
           </a:p>
@@ -8448,7 +8433,7 @@
             </a:pPr>
             <a:r>
               <a:rPr lang="en-GB"/>
-              <a:t>Where to Start?</a:t>
+              <a:t>Why?</a:t>
             </a:r>
             <a:endParaRPr/>
           </a:p>
@@ -8477,15 +8462,36 @@
           </a:bodyPr>
           <a:lstStyle/>
           <a:p>
+            <a:pPr indent="-342900" lvl="0" marL="457200" rtl="0">
+              <a:spcBef>
+                <a:spcPts val="0"/>
+              </a:spcBef>
+              <a:spcAft>
+                <a:spcPts val="0"/>
+              </a:spcAft>
+              <a:buSzPts val="1800"/>
+              <a:buChar char="●"/>
+            </a:pPr>
+            <a:r>
+              <a:rPr lang="en-GB"/>
+              <a:t>Implementing/testing the algorithms can give you a different perspective and measurable data.</a:t>
+            </a:r>
+            <a:endParaRPr/>
+          </a:p>
+          <a:p>
             <a:pPr indent="0" lvl="0" marL="0" rtl="0">
               <a:spcBef>
-                <a:spcPts val="0"/>
-              </a:spcBef>
-              <a:spcAft>
-                <a:spcPts val="0"/>
-              </a:spcAft>
-              <a:buNone/>
-            </a:pPr>
+                <a:spcPts val="1600"/>
+              </a:spcBef>
+              <a:spcAft>
+                <a:spcPts val="0"/>
+              </a:spcAft>
+              <a:buNone/>
+            </a:pPr>
+            <a:r>
+              <a:rPr b="1" lang="en-GB" sz="2400"/>
+              <a:t>Basic </a:t>
+            </a:r>
             <a:r>
               <a:rPr b="1" lang="en-GB" sz="2400"/>
               <a:t>Requirements</a:t>
@@ -8522,7 +8528,15 @@
             </a:pPr>
             <a:r>
               <a:rPr lang="en-GB"/>
-              <a:t>Process run for their service time</a:t>
+              <a:t>Processes </a:t>
+            </a:r>
+            <a:r>
+              <a:rPr lang="en-GB"/>
+              <a:t>guaranteed</a:t>
+            </a:r>
+            <a:r>
+              <a:rPr lang="en-GB"/>
+              <a:t> to run for their service time</a:t>
             </a:r>
             <a:endParaRPr/>
           </a:p>
@@ -8540,38 +8554,6 @@
             <a:r>
               <a:rPr lang="en-GB"/>
               <a:t>The scheduler supports more than one algorithm</a:t>
-            </a:r>
-            <a:endParaRPr/>
-          </a:p>
-          <a:p>
-            <a:pPr indent="-342900" lvl="0" marL="457200" rtl="0">
-              <a:spcBef>
-                <a:spcPts val="0"/>
-              </a:spcBef>
-              <a:spcAft>
-                <a:spcPts val="0"/>
-              </a:spcAft>
-              <a:buSzPts val="1800"/>
-              <a:buChar char="●"/>
-            </a:pPr>
-            <a:r>
-              <a:rPr lang="en-GB"/>
-              <a:t>The scheduler coordinates on clock ticks</a:t>
-            </a:r>
-            <a:endParaRPr/>
-          </a:p>
-          <a:p>
-            <a:pPr indent="0" lvl="0" marL="457200">
-              <a:spcBef>
-                <a:spcPts val="1600"/>
-              </a:spcBef>
-              <a:spcAft>
-                <a:spcPts val="1600"/>
-              </a:spcAft>
-              <a:buNone/>
-            </a:pPr>
-            <a:r>
-              <a:t/>
             </a:r>
             <a:endParaRPr/>
           </a:p>
@@ -8724,7 +8706,11 @@
             </a:pPr>
             <a:r>
               <a:rPr lang="en-GB"/>
-              <a:t>Queues</a:t>
+              <a:t>Lists, </a:t>
+            </a:r>
+            <a:r>
+              <a:rPr lang="en-GB"/>
+              <a:t>Queues, Stacks</a:t>
             </a:r>
             <a:endParaRPr/>
           </a:p>
@@ -9322,7 +9308,7 @@
             </a:pPr>
             <a:r>
               <a:rPr lang="en-GB"/>
-              <a:t>Algorithm Strategy</a:t>
+              <a:t>Scheduler / Producer / Consumer</a:t>
             </a:r>
             <a:endParaRPr/>
           </a:p>
@@ -9331,528 +9317,6 @@
       <p:sp>
         <p:nvSpPr>
           <p:cNvPr id="101" name="Google Shape;101;p18"/>
-          <p:cNvSpPr txBox="1"/>
-          <p:nvPr>
-            <p:ph idx="1" type="body"/>
-          </p:nvPr>
-        </p:nvSpPr>
-        <p:spPr>
-          <a:xfrm>
-            <a:off x="471900" y="1919075"/>
-            <a:ext cx="8222100" cy="2710200"/>
-          </a:xfrm>
-          <a:prstGeom prst="rect">
-            <a:avLst/>
-          </a:prstGeom>
-        </p:spPr>
-        <p:txBody>
-          <a:bodyPr anchorCtr="0" anchor="t" bIns="91425" lIns="91425" spcFirstLastPara="1" rIns="91425" wrap="square" tIns="91425">
-            <a:noAutofit/>
-          </a:bodyPr>
-          <a:lstStyle/>
-          <a:p>
-            <a:pPr indent="0" lvl="0" marL="0" rtl="0">
-              <a:spcBef>
-                <a:spcPts val="0"/>
-              </a:spcBef>
-              <a:spcAft>
-                <a:spcPts val="0"/>
-              </a:spcAft>
-              <a:buNone/>
-            </a:pPr>
-            <a:r>
-              <a:rPr b="1" lang="en-GB" sz="2400"/>
-              <a:t>Callback Interface</a:t>
-            </a:r>
-            <a:endParaRPr b="1" sz="2400"/>
-          </a:p>
-          <a:p>
-            <a:pPr indent="-342900" lvl="0" marL="457200" rtl="0">
-              <a:spcBef>
-                <a:spcPts val="1600"/>
-              </a:spcBef>
-              <a:spcAft>
-                <a:spcPts val="0"/>
-              </a:spcAft>
-              <a:buSzPts val="1800"/>
-              <a:buChar char="●"/>
-            </a:pPr>
-            <a:r>
-              <a:rPr b="1" lang="en-GB"/>
-              <a:t>OnProcessArrive  :  a process arrives in the algorithm queue</a:t>
-            </a:r>
-            <a:endParaRPr b="1"/>
-          </a:p>
-          <a:p>
-            <a:pPr indent="-342900" lvl="0" marL="457200" rtl="0">
-              <a:spcBef>
-                <a:spcPts val="0"/>
-              </a:spcBef>
-              <a:spcAft>
-                <a:spcPts val="0"/>
-              </a:spcAft>
-              <a:buSzPts val="1800"/>
-              <a:buChar char="●"/>
-            </a:pPr>
-            <a:r>
-              <a:rPr b="1" lang="en-GB"/>
-              <a:t>OnProcessReady  :  the algorithm queue has processes</a:t>
-            </a:r>
-            <a:endParaRPr b="1"/>
-          </a:p>
-          <a:p>
-            <a:pPr indent="-342900" lvl="0" marL="457200" rtl="0">
-              <a:spcBef>
-                <a:spcPts val="0"/>
-              </a:spcBef>
-              <a:spcAft>
-                <a:spcPts val="0"/>
-              </a:spcAft>
-              <a:buSzPts val="1800"/>
-              <a:buChar char="●"/>
-            </a:pPr>
-            <a:r>
-              <a:rPr b="1" lang="en-GB"/>
-              <a:t>OnProcessGet       :  gets the next process from the algorithm queue</a:t>
-            </a:r>
-            <a:endParaRPr b="1"/>
-          </a:p>
-          <a:p>
-            <a:pPr indent="-342900" lvl="0" marL="457200">
-              <a:spcBef>
-                <a:spcPts val="0"/>
-              </a:spcBef>
-              <a:spcAft>
-                <a:spcPts val="0"/>
-              </a:spcAft>
-              <a:buSzPts val="1800"/>
-              <a:buChar char="●"/>
-            </a:pPr>
-            <a:r>
-              <a:rPr b="1" lang="en-GB"/>
-              <a:t>OnProcessPut       :  puts a process back into the algorithm queue</a:t>
-            </a:r>
-            <a:endParaRPr b="1"/>
-          </a:p>
-        </p:txBody>
-      </p:sp>
-    </p:spTree>
-  </p:cSld>
-  <p:clrMapOvr>
-    <a:masterClrMapping/>
-  </p:clrMapOvr>
-</p:sld>
-</file>
-
-<file path=ppt/slides/slide7.xml><?xml version="1.0" encoding="utf-8"?>
-<p:sld xmlns:a="http://schemas.openxmlformats.org/drawingml/2006/main" xmlns:r="http://schemas.openxmlformats.org/officeDocument/2006/relationships" xmlns:mc="http://schemas.openxmlformats.org/markup-compatibility/2006" xmlns:mv="urn:schemas-microsoft-com:mac:vml" xmlns:p="http://schemas.openxmlformats.org/presentationml/2006/main" xmlns:c="http://schemas.openxmlformats.org/drawingml/2006/chart" xmlns:dgm="http://schemas.openxmlformats.org/drawingml/2006/diagram" xmlns:o="urn:schemas-microsoft-com:office:office" xmlns:v="urn:schemas-microsoft-com:vml" xmlns:pvml="urn:schemas-microsoft-com:office:powerpoint" xmlns:com="http://schemas.openxmlformats.org/drawingml/2006/compatibility" xmlns:p14="http://schemas.microsoft.com/office/powerpoint/2010/main" xmlns:p15="http://schemas.microsoft.com/office/powerpoint/2012/main">
-  <p:cSld>
-    <p:spTree>
-      <p:nvGrpSpPr>
-        <p:cNvPr id="105" name="Shape 105"/>
-        <p:cNvGrpSpPr/>
-        <p:nvPr/>
-      </p:nvGrpSpPr>
-      <p:grpSpPr>
-        <a:xfrm>
-          <a:off x="0" y="0"/>
-          <a:ext cx="0" cy="0"/>
-          <a:chOff x="0" y="0"/>
-          <a:chExt cx="0" cy="0"/>
-        </a:xfrm>
-      </p:grpSpPr>
-      <p:sp>
-        <p:nvSpPr>
-          <p:cNvPr id="106" name="Google Shape;106;p19"/>
-          <p:cNvSpPr txBox="1"/>
-          <p:nvPr>
-            <p:ph type="title"/>
-          </p:nvPr>
-        </p:nvSpPr>
-        <p:spPr>
-          <a:xfrm>
-            <a:off x="471900" y="738725"/>
-            <a:ext cx="8222100" cy="767700"/>
-          </a:xfrm>
-          <a:prstGeom prst="rect">
-            <a:avLst/>
-          </a:prstGeom>
-        </p:spPr>
-        <p:txBody>
-          <a:bodyPr anchorCtr="0" anchor="b" bIns="91425" lIns="91425" spcFirstLastPara="1" rIns="91425" wrap="square" tIns="91425">
-            <a:noAutofit/>
-          </a:bodyPr>
-          <a:lstStyle/>
-          <a:p>
-            <a:pPr indent="0" lvl="0" marL="0">
-              <a:spcBef>
-                <a:spcPts val="0"/>
-              </a:spcBef>
-              <a:spcAft>
-                <a:spcPts val="0"/>
-              </a:spcAft>
-              <a:buNone/>
-            </a:pPr>
-            <a:r>
-              <a:rPr lang="en-GB"/>
-              <a:t>Algorithm Implementations</a:t>
-            </a:r>
-            <a:endParaRPr/>
-          </a:p>
-        </p:txBody>
-      </p:sp>
-      <p:sp>
-        <p:nvSpPr>
-          <p:cNvPr id="107" name="Google Shape;107;p19"/>
-          <p:cNvSpPr txBox="1"/>
-          <p:nvPr>
-            <p:ph idx="1" type="body"/>
-          </p:nvPr>
-        </p:nvSpPr>
-        <p:spPr>
-          <a:xfrm>
-            <a:off x="471900" y="1919075"/>
-            <a:ext cx="3906900" cy="2710200"/>
-          </a:xfrm>
-          <a:prstGeom prst="rect">
-            <a:avLst/>
-          </a:prstGeom>
-        </p:spPr>
-        <p:txBody>
-          <a:bodyPr anchorCtr="0" anchor="t" bIns="91425" lIns="91425" spcFirstLastPara="1" rIns="91425" wrap="square" tIns="91425">
-            <a:noAutofit/>
-          </a:bodyPr>
-          <a:lstStyle/>
-          <a:p>
-            <a:pPr indent="0" lvl="0" marL="0" rtl="0">
-              <a:spcBef>
-                <a:spcPts val="0"/>
-              </a:spcBef>
-              <a:spcAft>
-                <a:spcPts val="0"/>
-              </a:spcAft>
-              <a:buNone/>
-            </a:pPr>
-            <a:r>
-              <a:rPr b="1" lang="en-GB" sz="2400"/>
-              <a:t>Basic Queue Algorithms</a:t>
-            </a:r>
-            <a:endParaRPr b="1" sz="2400"/>
-          </a:p>
-          <a:p>
-            <a:pPr indent="-342900" lvl="0" marL="457200" rtl="0">
-              <a:spcBef>
-                <a:spcPts val="1600"/>
-              </a:spcBef>
-              <a:spcAft>
-                <a:spcPts val="0"/>
-              </a:spcAft>
-              <a:buSzPts val="1800"/>
-              <a:buChar char="●"/>
-            </a:pPr>
-            <a:r>
-              <a:rPr lang="en-GB"/>
-              <a:t>FCFS</a:t>
-            </a:r>
-            <a:endParaRPr/>
-          </a:p>
-          <a:p>
-            <a:pPr indent="-317500" lvl="1" marL="914400" rtl="0">
-              <a:spcBef>
-                <a:spcPts val="0"/>
-              </a:spcBef>
-              <a:spcAft>
-                <a:spcPts val="0"/>
-              </a:spcAft>
-              <a:buSzPts val="1400"/>
-              <a:buChar char="○"/>
-            </a:pPr>
-            <a:r>
-              <a:rPr lang="en-GB"/>
-              <a:t>Come as you are</a:t>
-            </a:r>
-            <a:endParaRPr/>
-          </a:p>
-          <a:p>
-            <a:pPr indent="-342900" lvl="0" marL="457200" rtl="0">
-              <a:spcBef>
-                <a:spcPts val="0"/>
-              </a:spcBef>
-              <a:spcAft>
-                <a:spcPts val="0"/>
-              </a:spcAft>
-              <a:buSzPts val="1800"/>
-              <a:buChar char="●"/>
-            </a:pPr>
-            <a:r>
-              <a:rPr lang="en-GB"/>
-              <a:t>SPN</a:t>
-            </a:r>
-            <a:endParaRPr/>
-          </a:p>
-          <a:p>
-            <a:pPr indent="-317500" lvl="1" marL="914400" rtl="0">
-              <a:spcBef>
-                <a:spcPts val="0"/>
-              </a:spcBef>
-              <a:spcAft>
-                <a:spcPts val="0"/>
-              </a:spcAft>
-              <a:buSzPts val="1400"/>
-              <a:buChar char="○"/>
-            </a:pPr>
-            <a:r>
-              <a:rPr lang="en-GB"/>
-              <a:t>Keep current process, shortest next</a:t>
-            </a:r>
-            <a:endParaRPr/>
-          </a:p>
-          <a:p>
-            <a:pPr indent="-342900" lvl="0" marL="457200" rtl="0">
-              <a:spcBef>
-                <a:spcPts val="0"/>
-              </a:spcBef>
-              <a:spcAft>
-                <a:spcPts val="0"/>
-              </a:spcAft>
-              <a:buSzPts val="1800"/>
-              <a:buChar char="●"/>
-            </a:pPr>
-            <a:r>
-              <a:rPr lang="en-GB"/>
-              <a:t>STR (pre-emptive)</a:t>
-            </a:r>
-            <a:endParaRPr/>
-          </a:p>
-          <a:p>
-            <a:pPr indent="-317500" lvl="1" marL="914400">
-              <a:spcBef>
-                <a:spcPts val="0"/>
-              </a:spcBef>
-              <a:spcAft>
-                <a:spcPts val="0"/>
-              </a:spcAft>
-              <a:buSzPts val="1400"/>
-              <a:buChar char="○"/>
-            </a:pPr>
-            <a:r>
-              <a:rPr lang="en-GB"/>
-              <a:t>Prempt shortest process</a:t>
-            </a:r>
-            <a:endParaRPr/>
-          </a:p>
-        </p:txBody>
-      </p:sp>
-      <p:sp>
-        <p:nvSpPr>
-          <p:cNvPr id="108" name="Google Shape;108;p19"/>
-          <p:cNvSpPr txBox="1"/>
-          <p:nvPr>
-            <p:ph idx="1" type="body"/>
-          </p:nvPr>
-        </p:nvSpPr>
-        <p:spPr>
-          <a:xfrm>
-            <a:off x="4787100" y="1948950"/>
-            <a:ext cx="3906900" cy="2710200"/>
-          </a:xfrm>
-          <a:prstGeom prst="rect">
-            <a:avLst/>
-          </a:prstGeom>
-        </p:spPr>
-        <p:txBody>
-          <a:bodyPr anchorCtr="0" anchor="t" bIns="91425" lIns="91425" spcFirstLastPara="1" rIns="91425" wrap="square" tIns="91425">
-            <a:noAutofit/>
-          </a:bodyPr>
-          <a:lstStyle/>
-          <a:p>
-            <a:pPr indent="0" lvl="0" marL="0" rtl="0">
-              <a:spcBef>
-                <a:spcPts val="0"/>
-              </a:spcBef>
-              <a:spcAft>
-                <a:spcPts val="0"/>
-              </a:spcAft>
-              <a:buNone/>
-            </a:pPr>
-            <a:r>
-              <a:rPr b="1" lang="en-GB" sz="2400"/>
-              <a:t>Advanced Algorithms</a:t>
-            </a:r>
-            <a:endParaRPr b="1" sz="2400"/>
-          </a:p>
-          <a:p>
-            <a:pPr indent="-342900" lvl="0" marL="457200" rtl="0">
-              <a:spcBef>
-                <a:spcPts val="1600"/>
-              </a:spcBef>
-              <a:spcAft>
-                <a:spcPts val="0"/>
-              </a:spcAft>
-              <a:buSzPts val="1800"/>
-              <a:buChar char="●"/>
-            </a:pPr>
-            <a:r>
-              <a:rPr lang="en-GB"/>
-              <a:t>RR (queue, quantum)</a:t>
-            </a:r>
-            <a:endParaRPr/>
-          </a:p>
-          <a:p>
-            <a:pPr indent="-317500" lvl="1" marL="914400" rtl="0">
-              <a:spcBef>
-                <a:spcPts val="0"/>
-              </a:spcBef>
-              <a:spcAft>
-                <a:spcPts val="0"/>
-              </a:spcAft>
-              <a:buSzPts val="1400"/>
-              <a:buChar char="○"/>
-            </a:pPr>
-            <a:r>
-              <a:rPr lang="en-GB"/>
-              <a:t>Quantum premption</a:t>
-            </a:r>
-            <a:endParaRPr/>
-          </a:p>
-          <a:p>
-            <a:pPr indent="-342900" lvl="0" marL="457200" rtl="0">
-              <a:spcBef>
-                <a:spcPts val="0"/>
-              </a:spcBef>
-              <a:spcAft>
-                <a:spcPts val="0"/>
-              </a:spcAft>
-              <a:buSzPts val="1800"/>
-              <a:buChar char="●"/>
-            </a:pPr>
-            <a:r>
-              <a:rPr lang="en-GB"/>
-              <a:t>Lottery (queue, tickets)</a:t>
-            </a:r>
-            <a:endParaRPr/>
-          </a:p>
-          <a:p>
-            <a:pPr indent="-317500" lvl="1" marL="914400" rtl="0">
-              <a:spcBef>
-                <a:spcPts val="0"/>
-              </a:spcBef>
-              <a:spcAft>
-                <a:spcPts val="0"/>
-              </a:spcAft>
-              <a:buSzPts val="1400"/>
-              <a:buChar char="○"/>
-            </a:pPr>
-            <a:r>
-              <a:rPr lang="en-GB"/>
-              <a:t>Proportionally random</a:t>
-            </a:r>
-            <a:endParaRPr/>
-          </a:p>
-          <a:p>
-            <a:pPr indent="-342900" lvl="0" marL="457200" rtl="0">
-              <a:spcBef>
-                <a:spcPts val="0"/>
-              </a:spcBef>
-              <a:spcAft>
-                <a:spcPts val="0"/>
-              </a:spcAft>
-              <a:buSzPts val="1800"/>
-              <a:buChar char="●"/>
-            </a:pPr>
-            <a:r>
-              <a:rPr lang="en-GB"/>
-              <a:t>MLFQ (multiple queues)</a:t>
-            </a:r>
-            <a:endParaRPr/>
-          </a:p>
-          <a:p>
-            <a:pPr indent="-317500" lvl="1" marL="914400" rtl="0">
-              <a:spcBef>
-                <a:spcPts val="0"/>
-              </a:spcBef>
-              <a:spcAft>
-                <a:spcPts val="0"/>
-              </a:spcAft>
-              <a:buSzPts val="1400"/>
-              <a:buChar char="○"/>
-            </a:pPr>
-            <a:r>
-              <a:rPr lang="en-GB"/>
-              <a:t>Priority queues</a:t>
-            </a:r>
-            <a:endParaRPr/>
-          </a:p>
-        </p:txBody>
-      </p:sp>
-    </p:spTree>
-  </p:cSld>
-  <p:clrMapOvr>
-    <a:masterClrMapping/>
-  </p:clrMapOvr>
-</p:sld>
-</file>
-
-<file path=ppt/slides/slide8.xml><?xml version="1.0" encoding="utf-8"?>
-<p:sld xmlns:a="http://schemas.openxmlformats.org/drawingml/2006/main" xmlns:r="http://schemas.openxmlformats.org/officeDocument/2006/relationships" xmlns:mc="http://schemas.openxmlformats.org/markup-compatibility/2006" xmlns:mv="urn:schemas-microsoft-com:mac:vml" xmlns:p="http://schemas.openxmlformats.org/presentationml/2006/main" xmlns:c="http://schemas.openxmlformats.org/drawingml/2006/chart" xmlns:dgm="http://schemas.openxmlformats.org/drawingml/2006/diagram" xmlns:o="urn:schemas-microsoft-com:office:office" xmlns:v="urn:schemas-microsoft-com:vml" xmlns:pvml="urn:schemas-microsoft-com:office:powerpoint" xmlns:com="http://schemas.openxmlformats.org/drawingml/2006/compatibility" xmlns:p14="http://schemas.microsoft.com/office/powerpoint/2010/main" xmlns:p15="http://schemas.microsoft.com/office/powerpoint/2012/main">
-  <p:cSld>
-    <p:spTree>
-      <p:nvGrpSpPr>
-        <p:cNvPr id="112" name="Shape 112"/>
-        <p:cNvGrpSpPr/>
-        <p:nvPr/>
-      </p:nvGrpSpPr>
-      <p:grpSpPr>
-        <a:xfrm>
-          <a:off x="0" y="0"/>
-          <a:ext cx="0" cy="0"/>
-          <a:chOff x="0" y="0"/>
-          <a:chExt cx="0" cy="0"/>
-        </a:xfrm>
-      </p:grpSpPr>
-      <p:sp>
-        <p:nvSpPr>
-          <p:cNvPr id="113" name="Google Shape;113;p20"/>
-          <p:cNvSpPr txBox="1"/>
-          <p:nvPr>
-            <p:ph type="title"/>
-          </p:nvPr>
-        </p:nvSpPr>
-        <p:spPr>
-          <a:xfrm>
-            <a:off x="471900" y="738725"/>
-            <a:ext cx="8222100" cy="767700"/>
-          </a:xfrm>
-          <a:prstGeom prst="rect">
-            <a:avLst/>
-          </a:prstGeom>
-        </p:spPr>
-        <p:txBody>
-          <a:bodyPr anchorCtr="0" anchor="b" bIns="91425" lIns="91425" spcFirstLastPara="1" rIns="91425" wrap="square" tIns="91425">
-            <a:noAutofit/>
-          </a:bodyPr>
-          <a:lstStyle/>
-          <a:p>
-            <a:pPr indent="0" lvl="0" marL="0">
-              <a:spcBef>
-                <a:spcPts val="0"/>
-              </a:spcBef>
-              <a:spcAft>
-                <a:spcPts val="0"/>
-              </a:spcAft>
-              <a:buNone/>
-            </a:pPr>
-            <a:r>
-              <a:rPr lang="en-GB"/>
-              <a:t>Scheduler / Producer / Consumer</a:t>
-            </a:r>
-            <a:endParaRPr/>
-          </a:p>
-        </p:txBody>
-      </p:sp>
-      <p:sp>
-        <p:nvSpPr>
-          <p:cNvPr id="114" name="Google Shape;114;p20"/>
           <p:cNvSpPr/>
           <p:nvPr/>
         </p:nvSpPr>
@@ -9898,7 +9362,7 @@
                   <a:schemeClr val="dk2"/>
                 </a:solidFill>
               </a:rPr>
-              <a:t>Process added to scheduler</a:t>
+              <a:t>Process added to Scheduler</a:t>
             </a:r>
             <a:endParaRPr>
               <a:solidFill>
@@ -9910,7 +9374,7 @@
       </p:sp>
       <p:sp>
         <p:nvSpPr>
-          <p:cNvPr id="115" name="Google Shape;115;p20"/>
+          <p:cNvPr id="102" name="Google Shape;102;p18"/>
           <p:cNvSpPr/>
           <p:nvPr/>
         </p:nvSpPr>
@@ -9956,7 +9420,7 @@
                   <a:schemeClr val="dk2"/>
                 </a:solidFill>
               </a:rPr>
-              <a:t>Producer waits for process arrival time</a:t>
+              <a:t>Producer waits for Process arrival time</a:t>
             </a:r>
             <a:endParaRPr>
               <a:solidFill>
@@ -9968,7 +9432,7 @@
       </p:sp>
       <p:sp>
         <p:nvSpPr>
-          <p:cNvPr id="116" name="Google Shape;116;p20"/>
+          <p:cNvPr id="103" name="Google Shape;103;p18"/>
           <p:cNvSpPr/>
           <p:nvPr/>
         </p:nvSpPr>
@@ -10038,7 +9502,7 @@
                   <a:schemeClr val="dk2"/>
                 </a:solidFill>
               </a:rPr>
-              <a:t>Sends Process to Algorithm</a:t>
+              <a:t>sends Process to Algorithm</a:t>
             </a:r>
             <a:endParaRPr>
               <a:solidFill>
@@ -10050,7 +9514,7 @@
       </p:sp>
       <p:sp>
         <p:nvSpPr>
-          <p:cNvPr id="117" name="Google Shape;117;p20"/>
+          <p:cNvPr id="104" name="Google Shape;104;p18"/>
           <p:cNvSpPr/>
           <p:nvPr/>
         </p:nvSpPr>
@@ -10096,7 +9560,7 @@
                   <a:schemeClr val="dk2"/>
                 </a:solidFill>
               </a:rPr>
-              <a:t>Consumer Runs Algorithm</a:t>
+              <a:t>Consumer runs Algorithm</a:t>
             </a:r>
             <a:endParaRPr>
               <a:solidFill>
@@ -10108,7 +9572,7 @@
       </p:sp>
       <p:cxnSp>
         <p:nvCxnSpPr>
-          <p:cNvPr id="118" name="Google Shape;118;p20"/>
+          <p:cNvPr id="105" name="Google Shape;105;p18"/>
           <p:cNvCxnSpPr/>
           <p:nvPr/>
         </p:nvCxnSpPr>
@@ -10134,7 +9598,7 @@
       </p:cxnSp>
       <p:sp>
         <p:nvSpPr>
-          <p:cNvPr id="119" name="Google Shape;119;p20"/>
+          <p:cNvPr id="106" name="Google Shape;106;p18"/>
           <p:cNvSpPr txBox="1"/>
           <p:nvPr/>
         </p:nvSpPr>
@@ -10184,7 +9648,7 @@
       </p:sp>
       <p:cxnSp>
         <p:nvCxnSpPr>
-          <p:cNvPr id="120" name="Google Shape;120;p20"/>
+          <p:cNvPr id="107" name="Google Shape;107;p18"/>
           <p:cNvCxnSpPr/>
           <p:nvPr/>
         </p:nvCxnSpPr>
@@ -10210,7 +9674,7 @@
       </p:cxnSp>
       <p:sp>
         <p:nvSpPr>
-          <p:cNvPr id="121" name="Google Shape;121;p20"/>
+          <p:cNvPr id="108" name="Google Shape;108;p18"/>
           <p:cNvSpPr txBox="1"/>
           <p:nvPr/>
         </p:nvSpPr>
@@ -10260,10 +9724,10 @@
       </p:sp>
       <p:cxnSp>
         <p:nvCxnSpPr>
-          <p:cNvPr id="122" name="Google Shape;122;p20"/>
+          <p:cNvPr id="109" name="Google Shape;109;p18"/>
           <p:cNvCxnSpPr>
-            <a:stCxn id="114" idx="3"/>
-            <a:endCxn id="115" idx="1"/>
+            <a:stCxn id="101" idx="3"/>
+            <a:endCxn id="102" idx="1"/>
           </p:cNvCxnSpPr>
           <p:nvPr/>
         </p:nvCxnSpPr>
@@ -10289,7 +9753,7 @@
       </p:cxnSp>
       <p:sp>
         <p:nvSpPr>
-          <p:cNvPr id="123" name="Google Shape;123;p20"/>
+          <p:cNvPr id="110" name="Google Shape;110;p18"/>
           <p:cNvSpPr txBox="1"/>
           <p:nvPr/>
         </p:nvSpPr>
@@ -10339,10 +9803,10 @@
       </p:sp>
       <p:cxnSp>
         <p:nvCxnSpPr>
-          <p:cNvPr id="124" name="Google Shape;124;p20"/>
+          <p:cNvPr id="111" name="Google Shape;111;p18"/>
           <p:cNvCxnSpPr>
-            <a:stCxn id="115" idx="3"/>
-            <a:endCxn id="116" idx="1"/>
+            <a:stCxn id="102" idx="3"/>
+            <a:endCxn id="103" idx="1"/>
           </p:cNvCxnSpPr>
           <p:nvPr/>
         </p:nvCxnSpPr>
@@ -10368,10 +9832,10 @@
       </p:cxnSp>
       <p:cxnSp>
         <p:nvCxnSpPr>
-          <p:cNvPr id="125" name="Google Shape;125;p20"/>
+          <p:cNvPr id="112" name="Google Shape;112;p18"/>
           <p:cNvCxnSpPr>
-            <a:stCxn id="116" idx="3"/>
-            <a:endCxn id="117" idx="1"/>
+            <a:stCxn id="103" idx="3"/>
+            <a:endCxn id="104" idx="1"/>
           </p:cNvCxnSpPr>
           <p:nvPr/>
         </p:nvCxnSpPr>
@@ -10397,7 +9861,7 @@
       </p:cxnSp>
       <p:sp>
         <p:nvSpPr>
-          <p:cNvPr id="126" name="Google Shape;126;p20"/>
+          <p:cNvPr id="113" name="Google Shape;113;p18"/>
           <p:cNvSpPr/>
           <p:nvPr/>
         </p:nvSpPr>
@@ -10444,7 +9908,7 @@
       </p:sp>
       <p:sp>
         <p:nvSpPr>
-          <p:cNvPr id="127" name="Google Shape;127;p20"/>
+          <p:cNvPr id="114" name="Google Shape;114;p18"/>
           <p:cNvSpPr/>
           <p:nvPr/>
         </p:nvSpPr>
@@ -10493,10 +9957,10 @@
       </p:sp>
       <p:cxnSp>
         <p:nvCxnSpPr>
-          <p:cNvPr id="128" name="Google Shape;128;p20"/>
+          <p:cNvPr id="115" name="Google Shape;115;p18"/>
           <p:cNvCxnSpPr>
-            <a:stCxn id="126" idx="6"/>
-            <a:endCxn id="114" idx="1"/>
+            <a:stCxn id="113" idx="6"/>
+            <a:endCxn id="101" idx="1"/>
           </p:cNvCxnSpPr>
           <p:nvPr/>
         </p:nvCxnSpPr>
@@ -10522,10 +9986,10 @@
       </p:cxnSp>
       <p:cxnSp>
         <p:nvCxnSpPr>
-          <p:cNvPr id="129" name="Google Shape;129;p20"/>
+          <p:cNvPr id="116" name="Google Shape;116;p18"/>
           <p:cNvCxnSpPr>
-            <a:stCxn id="117" idx="3"/>
-            <a:endCxn id="127" idx="2"/>
+            <a:stCxn id="104" idx="3"/>
+            <a:endCxn id="114" idx="2"/>
           </p:cNvCxnSpPr>
           <p:nvPr/>
         </p:nvCxnSpPr>
@@ -10551,7 +10015,7 @@
       </p:cxnSp>
       <p:sp>
         <p:nvSpPr>
-          <p:cNvPr id="130" name="Google Shape;130;p20"/>
+          <p:cNvPr id="117" name="Google Shape;117;p18"/>
           <p:cNvSpPr/>
           <p:nvPr/>
         </p:nvSpPr>
@@ -10598,7 +10062,7 @@
       </p:sp>
       <p:sp>
         <p:nvSpPr>
-          <p:cNvPr id="131" name="Google Shape;131;p20"/>
+          <p:cNvPr id="118" name="Google Shape;118;p18"/>
           <p:cNvSpPr txBox="1"/>
           <p:nvPr/>
         </p:nvSpPr>
@@ -10643,6 +10107,528 @@
                 <a:schemeClr val="dk2"/>
               </a:solidFill>
             </a:endParaRPr>
+          </a:p>
+        </p:txBody>
+      </p:sp>
+    </p:spTree>
+  </p:cSld>
+  <p:clrMapOvr>
+    <a:masterClrMapping/>
+  </p:clrMapOvr>
+</p:sld>
+</file>
+
+<file path=ppt/slides/slide7.xml><?xml version="1.0" encoding="utf-8"?>
+<p:sld xmlns:a="http://schemas.openxmlformats.org/drawingml/2006/main" xmlns:r="http://schemas.openxmlformats.org/officeDocument/2006/relationships" xmlns:mc="http://schemas.openxmlformats.org/markup-compatibility/2006" xmlns:mv="urn:schemas-microsoft-com:mac:vml" xmlns:p="http://schemas.openxmlformats.org/presentationml/2006/main" xmlns:c="http://schemas.openxmlformats.org/drawingml/2006/chart" xmlns:dgm="http://schemas.openxmlformats.org/drawingml/2006/diagram" xmlns:o="urn:schemas-microsoft-com:office:office" xmlns:v="urn:schemas-microsoft-com:vml" xmlns:pvml="urn:schemas-microsoft-com:office:powerpoint" xmlns:com="http://schemas.openxmlformats.org/drawingml/2006/compatibility" xmlns:p14="http://schemas.microsoft.com/office/powerpoint/2010/main" xmlns:p15="http://schemas.microsoft.com/office/powerpoint/2012/main">
+  <p:cSld>
+    <p:spTree>
+      <p:nvGrpSpPr>
+        <p:cNvPr id="122" name="Shape 122"/>
+        <p:cNvGrpSpPr/>
+        <p:nvPr/>
+      </p:nvGrpSpPr>
+      <p:grpSpPr>
+        <a:xfrm>
+          <a:off x="0" y="0"/>
+          <a:ext cx="0" cy="0"/>
+          <a:chOff x="0" y="0"/>
+          <a:chExt cx="0" cy="0"/>
+        </a:xfrm>
+      </p:grpSpPr>
+      <p:sp>
+        <p:nvSpPr>
+          <p:cNvPr id="123" name="Google Shape;123;p19"/>
+          <p:cNvSpPr txBox="1"/>
+          <p:nvPr>
+            <p:ph type="title"/>
+          </p:nvPr>
+        </p:nvSpPr>
+        <p:spPr>
+          <a:xfrm>
+            <a:off x="471900" y="738725"/>
+            <a:ext cx="8222100" cy="767700"/>
+          </a:xfrm>
+          <a:prstGeom prst="rect">
+            <a:avLst/>
+          </a:prstGeom>
+        </p:spPr>
+        <p:txBody>
+          <a:bodyPr anchorCtr="0" anchor="b" bIns="91425" lIns="91425" spcFirstLastPara="1" rIns="91425" wrap="square" tIns="91425">
+            <a:noAutofit/>
+          </a:bodyPr>
+          <a:lstStyle/>
+          <a:p>
+            <a:pPr indent="0" lvl="0" marL="0">
+              <a:spcBef>
+                <a:spcPts val="0"/>
+              </a:spcBef>
+              <a:spcAft>
+                <a:spcPts val="0"/>
+              </a:spcAft>
+              <a:buNone/>
+            </a:pPr>
+            <a:r>
+              <a:rPr lang="en-GB"/>
+              <a:t>Algorithm Strategy</a:t>
+            </a:r>
+            <a:endParaRPr/>
+          </a:p>
+        </p:txBody>
+      </p:sp>
+      <p:sp>
+        <p:nvSpPr>
+          <p:cNvPr id="124" name="Google Shape;124;p19"/>
+          <p:cNvSpPr txBox="1"/>
+          <p:nvPr>
+            <p:ph idx="1" type="body"/>
+          </p:nvPr>
+        </p:nvSpPr>
+        <p:spPr>
+          <a:xfrm>
+            <a:off x="471900" y="1919075"/>
+            <a:ext cx="8222100" cy="2710200"/>
+          </a:xfrm>
+          <a:prstGeom prst="rect">
+            <a:avLst/>
+          </a:prstGeom>
+        </p:spPr>
+        <p:txBody>
+          <a:bodyPr anchorCtr="0" anchor="t" bIns="91425" lIns="91425" spcFirstLastPara="1" rIns="91425" wrap="square" tIns="91425">
+            <a:noAutofit/>
+          </a:bodyPr>
+          <a:lstStyle/>
+          <a:p>
+            <a:pPr indent="0" lvl="0" marL="0" rtl="0">
+              <a:spcBef>
+                <a:spcPts val="0"/>
+              </a:spcBef>
+              <a:spcAft>
+                <a:spcPts val="0"/>
+              </a:spcAft>
+              <a:buNone/>
+            </a:pPr>
+            <a:r>
+              <a:rPr b="1" lang="en-GB" sz="2400"/>
+              <a:t>Callback Interface</a:t>
+            </a:r>
+            <a:endParaRPr b="1" sz="2400"/>
+          </a:p>
+          <a:p>
+            <a:pPr indent="-342900" lvl="0" marL="457200" rtl="0">
+              <a:spcBef>
+                <a:spcPts val="1600"/>
+              </a:spcBef>
+              <a:spcAft>
+                <a:spcPts val="0"/>
+              </a:spcAft>
+              <a:buSzPts val="1800"/>
+              <a:buChar char="●"/>
+            </a:pPr>
+            <a:r>
+              <a:rPr b="1" lang="en-GB"/>
+              <a:t>OnProcessArrive  :  a process arrives in the algorithm queue</a:t>
+            </a:r>
+            <a:endParaRPr b="1"/>
+          </a:p>
+          <a:p>
+            <a:pPr indent="-342900" lvl="0" marL="457200" rtl="0">
+              <a:spcBef>
+                <a:spcPts val="0"/>
+              </a:spcBef>
+              <a:spcAft>
+                <a:spcPts val="0"/>
+              </a:spcAft>
+              <a:buSzPts val="1800"/>
+              <a:buChar char="●"/>
+            </a:pPr>
+            <a:r>
+              <a:rPr b="1" lang="en-GB"/>
+              <a:t>OnProcessReady  :  the algorithm queue has processes</a:t>
+            </a:r>
+            <a:endParaRPr b="1"/>
+          </a:p>
+          <a:p>
+            <a:pPr indent="-342900" lvl="0" marL="457200" rtl="0">
+              <a:spcBef>
+                <a:spcPts val="0"/>
+              </a:spcBef>
+              <a:spcAft>
+                <a:spcPts val="0"/>
+              </a:spcAft>
+              <a:buSzPts val="1800"/>
+              <a:buChar char="●"/>
+            </a:pPr>
+            <a:r>
+              <a:rPr b="1" lang="en-GB"/>
+              <a:t>OnProcessGet       :  gets the next process from the algorithm queue</a:t>
+            </a:r>
+            <a:endParaRPr b="1"/>
+          </a:p>
+          <a:p>
+            <a:pPr indent="-342900" lvl="0" marL="457200">
+              <a:spcBef>
+                <a:spcPts val="0"/>
+              </a:spcBef>
+              <a:spcAft>
+                <a:spcPts val="0"/>
+              </a:spcAft>
+              <a:buSzPts val="1800"/>
+              <a:buChar char="●"/>
+            </a:pPr>
+            <a:r>
+              <a:rPr b="1" lang="en-GB"/>
+              <a:t>OnProcessPut       :  puts a process back into the algorithm queue</a:t>
+            </a:r>
+            <a:endParaRPr b="1"/>
+          </a:p>
+        </p:txBody>
+      </p:sp>
+    </p:spTree>
+  </p:cSld>
+  <p:clrMapOvr>
+    <a:masterClrMapping/>
+  </p:clrMapOvr>
+</p:sld>
+</file>
+
+<file path=ppt/slides/slide8.xml><?xml version="1.0" encoding="utf-8"?>
+<p:sld xmlns:a="http://schemas.openxmlformats.org/drawingml/2006/main" xmlns:r="http://schemas.openxmlformats.org/officeDocument/2006/relationships" xmlns:mc="http://schemas.openxmlformats.org/markup-compatibility/2006" xmlns:mv="urn:schemas-microsoft-com:mac:vml" xmlns:p="http://schemas.openxmlformats.org/presentationml/2006/main" xmlns:c="http://schemas.openxmlformats.org/drawingml/2006/chart" xmlns:dgm="http://schemas.openxmlformats.org/drawingml/2006/diagram" xmlns:o="urn:schemas-microsoft-com:office:office" xmlns:v="urn:schemas-microsoft-com:vml" xmlns:pvml="urn:schemas-microsoft-com:office:powerpoint" xmlns:com="http://schemas.openxmlformats.org/drawingml/2006/compatibility" xmlns:p14="http://schemas.microsoft.com/office/powerpoint/2010/main" xmlns:p15="http://schemas.microsoft.com/office/powerpoint/2012/main">
+  <p:cSld>
+    <p:spTree>
+      <p:nvGrpSpPr>
+        <p:cNvPr id="128" name="Shape 128"/>
+        <p:cNvGrpSpPr/>
+        <p:nvPr/>
+      </p:nvGrpSpPr>
+      <p:grpSpPr>
+        <a:xfrm>
+          <a:off x="0" y="0"/>
+          <a:ext cx="0" cy="0"/>
+          <a:chOff x="0" y="0"/>
+          <a:chExt cx="0" cy="0"/>
+        </a:xfrm>
+      </p:grpSpPr>
+      <p:sp>
+        <p:nvSpPr>
+          <p:cNvPr id="129" name="Google Shape;129;p20"/>
+          <p:cNvSpPr txBox="1"/>
+          <p:nvPr>
+            <p:ph type="title"/>
+          </p:nvPr>
+        </p:nvSpPr>
+        <p:spPr>
+          <a:xfrm>
+            <a:off x="471900" y="738725"/>
+            <a:ext cx="8222100" cy="767700"/>
+          </a:xfrm>
+          <a:prstGeom prst="rect">
+            <a:avLst/>
+          </a:prstGeom>
+        </p:spPr>
+        <p:txBody>
+          <a:bodyPr anchorCtr="0" anchor="b" bIns="91425" lIns="91425" spcFirstLastPara="1" rIns="91425" wrap="square" tIns="91425">
+            <a:noAutofit/>
+          </a:bodyPr>
+          <a:lstStyle/>
+          <a:p>
+            <a:pPr indent="0" lvl="0" marL="0">
+              <a:spcBef>
+                <a:spcPts val="0"/>
+              </a:spcBef>
+              <a:spcAft>
+                <a:spcPts val="0"/>
+              </a:spcAft>
+              <a:buNone/>
+            </a:pPr>
+            <a:r>
+              <a:rPr lang="en-GB"/>
+              <a:t>Algorithm Implementations</a:t>
+            </a:r>
+            <a:endParaRPr/>
+          </a:p>
+        </p:txBody>
+      </p:sp>
+      <p:sp>
+        <p:nvSpPr>
+          <p:cNvPr id="130" name="Google Shape;130;p20"/>
+          <p:cNvSpPr txBox="1"/>
+          <p:nvPr>
+            <p:ph idx="1" type="body"/>
+          </p:nvPr>
+        </p:nvSpPr>
+        <p:spPr>
+          <a:xfrm>
+            <a:off x="471900" y="1919075"/>
+            <a:ext cx="3906900" cy="2710200"/>
+          </a:xfrm>
+          <a:prstGeom prst="rect">
+            <a:avLst/>
+          </a:prstGeom>
+        </p:spPr>
+        <p:txBody>
+          <a:bodyPr anchorCtr="0" anchor="t" bIns="91425" lIns="91425" spcFirstLastPara="1" rIns="91425" wrap="square" tIns="91425">
+            <a:noAutofit/>
+          </a:bodyPr>
+          <a:lstStyle/>
+          <a:p>
+            <a:pPr indent="0" lvl="0" marL="0" rtl="0">
+              <a:spcBef>
+                <a:spcPts val="0"/>
+              </a:spcBef>
+              <a:spcAft>
+                <a:spcPts val="0"/>
+              </a:spcAft>
+              <a:buNone/>
+            </a:pPr>
+            <a:r>
+              <a:rPr b="1" lang="en-GB" sz="2400"/>
+              <a:t>Basic Queue Algorithms</a:t>
+            </a:r>
+            <a:endParaRPr b="1" sz="2400"/>
+          </a:p>
+          <a:p>
+            <a:pPr indent="-342900" lvl="0" marL="457200" rtl="0">
+              <a:spcBef>
+                <a:spcPts val="1600"/>
+              </a:spcBef>
+              <a:spcAft>
+                <a:spcPts val="0"/>
+              </a:spcAft>
+              <a:buSzPts val="1800"/>
+              <a:buChar char="●"/>
+            </a:pPr>
+            <a:r>
+              <a:rPr lang="en-GB"/>
+              <a:t>FCFS</a:t>
+            </a:r>
+            <a:endParaRPr/>
+          </a:p>
+          <a:p>
+            <a:pPr indent="-317500" lvl="1" marL="914400" rtl="0">
+              <a:spcBef>
+                <a:spcPts val="0"/>
+              </a:spcBef>
+              <a:spcAft>
+                <a:spcPts val="0"/>
+              </a:spcAft>
+              <a:buSzPts val="1400"/>
+              <a:buChar char="○"/>
+            </a:pPr>
+            <a:r>
+              <a:rPr lang="en-GB"/>
+              <a:t>Come as you are</a:t>
+            </a:r>
+            <a:endParaRPr/>
+          </a:p>
+          <a:p>
+            <a:pPr indent="-342900" lvl="0" marL="457200" rtl="0">
+              <a:spcBef>
+                <a:spcPts val="0"/>
+              </a:spcBef>
+              <a:spcAft>
+                <a:spcPts val="0"/>
+              </a:spcAft>
+              <a:buSzPts val="1800"/>
+              <a:buChar char="●"/>
+            </a:pPr>
+            <a:r>
+              <a:rPr lang="en-GB"/>
+              <a:t>SPN</a:t>
+            </a:r>
+            <a:endParaRPr/>
+          </a:p>
+          <a:p>
+            <a:pPr indent="-317500" lvl="1" marL="914400" rtl="0">
+              <a:spcBef>
+                <a:spcPts val="0"/>
+              </a:spcBef>
+              <a:spcAft>
+                <a:spcPts val="0"/>
+              </a:spcAft>
+              <a:buSzPts val="1400"/>
+              <a:buChar char="○"/>
+            </a:pPr>
+            <a:r>
+              <a:rPr lang="en-GB"/>
+              <a:t>Keep current process, shortest next</a:t>
+            </a:r>
+            <a:endParaRPr/>
+          </a:p>
+          <a:p>
+            <a:pPr indent="-342900" lvl="0" marL="457200" rtl="0">
+              <a:spcBef>
+                <a:spcPts val="0"/>
+              </a:spcBef>
+              <a:spcAft>
+                <a:spcPts val="0"/>
+              </a:spcAft>
+              <a:buSzPts val="1800"/>
+              <a:buChar char="●"/>
+            </a:pPr>
+            <a:r>
+              <a:rPr lang="en-GB"/>
+              <a:t>STR (pre-emptive)</a:t>
+            </a:r>
+            <a:endParaRPr/>
+          </a:p>
+          <a:p>
+            <a:pPr indent="-317500" lvl="1" marL="914400">
+              <a:spcBef>
+                <a:spcPts val="0"/>
+              </a:spcBef>
+              <a:spcAft>
+                <a:spcPts val="0"/>
+              </a:spcAft>
+              <a:buSzPts val="1400"/>
+              <a:buChar char="○"/>
+            </a:pPr>
+            <a:r>
+              <a:rPr lang="en-GB"/>
+              <a:t>Prempt shortest process</a:t>
+            </a:r>
+            <a:endParaRPr/>
+          </a:p>
+        </p:txBody>
+      </p:sp>
+      <p:sp>
+        <p:nvSpPr>
+          <p:cNvPr id="131" name="Google Shape;131;p20"/>
+          <p:cNvSpPr txBox="1"/>
+          <p:nvPr>
+            <p:ph idx="1" type="body"/>
+          </p:nvPr>
+        </p:nvSpPr>
+        <p:spPr>
+          <a:xfrm>
+            <a:off x="4787100" y="1948950"/>
+            <a:ext cx="3906900" cy="2710200"/>
+          </a:xfrm>
+          <a:prstGeom prst="rect">
+            <a:avLst/>
+          </a:prstGeom>
+        </p:spPr>
+        <p:txBody>
+          <a:bodyPr anchorCtr="0" anchor="t" bIns="91425" lIns="91425" spcFirstLastPara="1" rIns="91425" wrap="square" tIns="91425">
+            <a:noAutofit/>
+          </a:bodyPr>
+          <a:lstStyle/>
+          <a:p>
+            <a:pPr indent="0" lvl="0" marL="0" rtl="0">
+              <a:spcBef>
+                <a:spcPts val="0"/>
+              </a:spcBef>
+              <a:spcAft>
+                <a:spcPts val="0"/>
+              </a:spcAft>
+              <a:buNone/>
+            </a:pPr>
+            <a:r>
+              <a:rPr b="1" lang="en-GB" sz="2400"/>
+              <a:t>Advanced Algorithms</a:t>
+            </a:r>
+            <a:endParaRPr b="1" sz="2400"/>
+          </a:p>
+          <a:p>
+            <a:pPr indent="-342900" lvl="0" marL="457200" rtl="0">
+              <a:spcBef>
+                <a:spcPts val="1600"/>
+              </a:spcBef>
+              <a:spcAft>
+                <a:spcPts val="0"/>
+              </a:spcAft>
+              <a:buSzPts val="1800"/>
+              <a:buChar char="●"/>
+            </a:pPr>
+            <a:r>
+              <a:rPr lang="en-GB"/>
+              <a:t>RR (queue, quantum)</a:t>
+            </a:r>
+            <a:endParaRPr/>
+          </a:p>
+          <a:p>
+            <a:pPr indent="-317500" lvl="1" marL="914400" rtl="0">
+              <a:spcBef>
+                <a:spcPts val="0"/>
+              </a:spcBef>
+              <a:spcAft>
+                <a:spcPts val="0"/>
+              </a:spcAft>
+              <a:buSzPts val="1400"/>
+              <a:buChar char="○"/>
+            </a:pPr>
+            <a:r>
+              <a:rPr lang="en-GB"/>
+              <a:t>Quantum premption</a:t>
+            </a:r>
+            <a:endParaRPr/>
+          </a:p>
+          <a:p>
+            <a:pPr indent="-342900" lvl="0" marL="457200" rtl="0">
+              <a:spcBef>
+                <a:spcPts val="0"/>
+              </a:spcBef>
+              <a:spcAft>
+                <a:spcPts val="0"/>
+              </a:spcAft>
+              <a:buSzPts val="1800"/>
+              <a:buChar char="●"/>
+            </a:pPr>
+            <a:r>
+              <a:rPr lang="en-GB"/>
+              <a:t>Lottery (queue, tickets)</a:t>
+            </a:r>
+            <a:endParaRPr/>
+          </a:p>
+          <a:p>
+            <a:pPr indent="-317500" lvl="1" marL="914400" rtl="0">
+              <a:spcBef>
+                <a:spcPts val="0"/>
+              </a:spcBef>
+              <a:spcAft>
+                <a:spcPts val="0"/>
+              </a:spcAft>
+              <a:buSzPts val="1400"/>
+              <a:buChar char="○"/>
+            </a:pPr>
+            <a:r>
+              <a:rPr lang="en-GB"/>
+              <a:t>Proportionally random</a:t>
+            </a:r>
+            <a:endParaRPr/>
+          </a:p>
+          <a:p>
+            <a:pPr indent="-342900" lvl="0" marL="457200" rtl="0">
+              <a:spcBef>
+                <a:spcPts val="0"/>
+              </a:spcBef>
+              <a:spcAft>
+                <a:spcPts val="0"/>
+              </a:spcAft>
+              <a:buSzPts val="1800"/>
+              <a:buChar char="●"/>
+            </a:pPr>
+            <a:r>
+              <a:rPr lang="en-GB"/>
+              <a:t>MLFQ (multiple queues)</a:t>
+            </a:r>
+            <a:endParaRPr/>
+          </a:p>
+          <a:p>
+            <a:pPr indent="-317500" lvl="1" marL="914400" rtl="0">
+              <a:spcBef>
+                <a:spcPts val="0"/>
+              </a:spcBef>
+              <a:spcAft>
+                <a:spcPts val="0"/>
+              </a:spcAft>
+              <a:buSzPts val="1400"/>
+              <a:buChar char="○"/>
+            </a:pPr>
+            <a:r>
+              <a:rPr lang="en-GB"/>
+              <a:t>Priority queues</a:t>
+            </a:r>
+            <a:endParaRPr/>
           </a:p>
         </p:txBody>
       </p:sp>
@@ -10821,7 +10807,7 @@
             <a:endParaRPr/>
           </a:p>
           <a:p>
-            <a:pPr indent="-342900" lvl="0" marL="457200">
+            <a:pPr indent="-342900" lvl="0" marL="457200" rtl="0">
               <a:spcBef>
                 <a:spcPts val="0"/>
               </a:spcBef>
@@ -10834,6 +10820,21 @@
             <a:r>
               <a:rPr lang="en-GB"/>
               <a:t>Test scripts can generate input and parse output</a:t>
+            </a:r>
+            <a:endParaRPr/>
+          </a:p>
+          <a:p>
+            <a:pPr indent="0" lvl="0" marL="457200">
+              <a:spcBef>
+                <a:spcPts val="1600"/>
+              </a:spcBef>
+              <a:spcAft>
+                <a:spcPts val="1600"/>
+              </a:spcAft>
+              <a:buNone/>
+            </a:pPr>
+            <a:r>
+              <a:t/>
             </a:r>
             <a:endParaRPr/>
           </a:p>
